--- a/ENGI301_project_proposal.pptx
+++ b/ENGI301_project_proposal.pptx
@@ -136,14 +136,6 @@
 </p:presentation>
 </file>
 
-<file path=ppt/revisionInfo.xml><?xml version="1.0" encoding="utf-8"?>
-<p1510:revInfo xmlns:a="http://schemas.openxmlformats.org/drawingml/2006/main" xmlns:r="http://schemas.openxmlformats.org/officeDocument/2006/relationships" xmlns:p1510="http://schemas.microsoft.com/office/powerpoint/2015/10/main">
-  <p1510:revLst>
-    <p1510:client id="{ACA711AE-2ACC-4AF5-A21D-F90495998A87}" v="2" dt="2020-10-04T23:55:09.439"/>
-  </p1510:revLst>
-</p1510:revInfo>
-</file>
-
 <file path=ppt/changesInfos/changesInfo1.xml><?xml version="1.0" encoding="utf-8"?>
 <pc:chgInfo xmlns:a="http://schemas.openxmlformats.org/drawingml/2006/main" xmlns:r="http://schemas.openxmlformats.org/officeDocument/2006/relationships" xmlns:ac="http://schemas.microsoft.com/office/drawing/2013/main/command" xmlns:pc="http://schemas.microsoft.com/office/powerpoint/2013/main/command">
   <pc:docChgLst>
@@ -183,6 +175,44 @@
             <ac:cxnSpMk id="7" creationId="{45C8DB9C-4E96-47FC-9F5B-999A1E09D6D7}"/>
           </ac:cxnSpMkLst>
         </pc:cxnChg>
+      </pc:sldChg>
+    </pc:docChg>
+  </pc:docChgLst>
+  <pc:docChgLst>
+    <pc:chgData name="Callum Edward" userId="891fa4e099465e69" providerId="LiveId" clId="{84CDCB3F-4E26-4377-931E-0899BE65F8FC}"/>
+    <pc:docChg chg="custSel modSld">
+      <pc:chgData name="Callum Edward" userId="891fa4e099465e69" providerId="LiveId" clId="{84CDCB3F-4E26-4377-931E-0899BE65F8FC}" dt="2020-10-08T01:53:32.590" v="471" actId="20577"/>
+      <pc:docMkLst>
+        <pc:docMk/>
+      </pc:docMkLst>
+      <pc:sldChg chg="modNotesTx">
+        <pc:chgData name="Callum Edward" userId="891fa4e099465e69" providerId="LiveId" clId="{84CDCB3F-4E26-4377-931E-0899BE65F8FC}" dt="2020-10-08T01:43:46.206" v="116" actId="20577"/>
+        <pc:sldMkLst>
+          <pc:docMk/>
+          <pc:sldMk cId="3519531026" sldId="367"/>
+        </pc:sldMkLst>
+      </pc:sldChg>
+      <pc:sldChg chg="modSp mod modNotesTx">
+        <pc:chgData name="Callum Edward" userId="891fa4e099465e69" providerId="LiveId" clId="{84CDCB3F-4E26-4377-931E-0899BE65F8FC}" dt="2020-10-08T01:48:29.806" v="279" actId="20577"/>
+        <pc:sldMkLst>
+          <pc:docMk/>
+          <pc:sldMk cId="1131248096" sldId="369"/>
+        </pc:sldMkLst>
+        <pc:graphicFrameChg chg="modGraphic">
+          <ac:chgData name="Callum Edward" userId="891fa4e099465e69" providerId="LiveId" clId="{84CDCB3F-4E26-4377-931E-0899BE65F8FC}" dt="2020-10-08T01:43:00.174" v="16" actId="20577"/>
+          <ac:graphicFrameMkLst>
+            <pc:docMk/>
+            <pc:sldMk cId="1131248096" sldId="369"/>
+            <ac:graphicFrameMk id="4" creationId="{D0B47F4B-CB02-4D02-BE84-F6BC57D0FE26}"/>
+          </ac:graphicFrameMkLst>
+        </pc:graphicFrameChg>
+      </pc:sldChg>
+      <pc:sldChg chg="modNotesTx">
+        <pc:chgData name="Callum Edward" userId="891fa4e099465e69" providerId="LiveId" clId="{84CDCB3F-4E26-4377-931E-0899BE65F8FC}" dt="2020-10-08T01:53:32.590" v="471" actId="20577"/>
+        <pc:sldMkLst>
+          <pc:docMk/>
+          <pc:sldMk cId="4204615274" sldId="370"/>
+        </pc:sldMkLst>
       </pc:sldChg>
     </pc:docChg>
   </pc:docChgLst>
@@ -271,7 +301,7 @@
           <a:p>
             <a:fld id="{59041DB8-B66F-4DC8-A96E-33677E0F90FF}" type="datetimeFigureOut">
               <a:rPr lang="en-US" smtClean="0"/>
-              <a:t>10/4/2020</a:t>
+              <a:t>10/7/2020</a:t>
             </a:fld>
             <a:endParaRPr lang="en-US"/>
           </a:p>
@@ -436,7 +466,7 @@
           <a:p>
             <a:fld id="{DEB49C4A-65AC-492D-9701-81B46C3AD0E4}" type="datetimeFigureOut">
               <a:rPr lang="en-US" smtClean="0"/>
-              <a:t>10/4/2020</a:t>
+              <a:t>10/7/2020</a:t>
             </a:fld>
             <a:endParaRPr lang="en-US"/>
           </a:p>
@@ -701,6 +731,357 @@
     </a:lvl9pPr>
   </p:notesStyle>
 </p:notesMaster>
+</file>
+
+<file path=ppt/notesSlides/notesSlide1.xml><?xml version="1.0" encoding="utf-8"?>
+<p:notes xmlns:a="http://schemas.openxmlformats.org/drawingml/2006/main" xmlns:r="http://schemas.openxmlformats.org/officeDocument/2006/relationships" xmlns:p="http://schemas.openxmlformats.org/presentationml/2006/main">
+  <p:cSld>
+    <p:spTree>
+      <p:nvGrpSpPr>
+        <p:cNvPr id="1" name=""/>
+        <p:cNvGrpSpPr/>
+        <p:nvPr/>
+      </p:nvGrpSpPr>
+      <p:grpSpPr>
+        <a:xfrm>
+          <a:off x="0" y="0"/>
+          <a:ext cx="0" cy="0"/>
+          <a:chOff x="0" y="0"/>
+          <a:chExt cx="0" cy="0"/>
+        </a:xfrm>
+      </p:grpSpPr>
+      <p:sp>
+        <p:nvSpPr>
+          <p:cNvPr id="2" name="Slide Image Placeholder 1"/>
+          <p:cNvSpPr>
+            <a:spLocks noGrp="1" noRot="1" noChangeAspect="1"/>
+          </p:cNvSpPr>
+          <p:nvPr>
+            <p:ph type="sldImg"/>
+          </p:nvPr>
+        </p:nvSpPr>
+        <p:spPr/>
+      </p:sp>
+      <p:sp>
+        <p:nvSpPr>
+          <p:cNvPr id="3" name="Notes Placeholder 2"/>
+          <p:cNvSpPr>
+            <a:spLocks noGrp="1"/>
+          </p:cNvSpPr>
+          <p:nvPr>
+            <p:ph type="body" idx="1"/>
+          </p:nvPr>
+        </p:nvSpPr>
+        <p:spPr/>
+        <p:txBody>
+          <a:bodyPr/>
+          <a:lstStyle/>
+          <a:p>
+            <a:r>
+              <a:rPr lang="en-US" dirty="0"/>
+              <a:t>Go in depth on instructions. </a:t>
+            </a:r>
+          </a:p>
+        </p:txBody>
+      </p:sp>
+      <p:sp>
+        <p:nvSpPr>
+          <p:cNvPr id="4" name="Slide Number Placeholder 3"/>
+          <p:cNvSpPr>
+            <a:spLocks noGrp="1"/>
+          </p:cNvSpPr>
+          <p:nvPr>
+            <p:ph type="sldNum" sz="quarter" idx="5"/>
+          </p:nvPr>
+        </p:nvSpPr>
+        <p:spPr/>
+        <p:txBody>
+          <a:bodyPr/>
+          <a:lstStyle/>
+          <a:p>
+            <a:fld id="{82869989-EB00-4EE7-BCB5-25BDC5BB29F8}" type="slidenum">
+              <a:rPr lang="en-US" smtClean="0"/>
+              <a:t>2</a:t>
+            </a:fld>
+            <a:endParaRPr lang="en-US"/>
+          </a:p>
+        </p:txBody>
+      </p:sp>
+    </p:spTree>
+    <p:extLst>
+      <p:ext uri="{BB962C8B-B14F-4D97-AF65-F5344CB8AC3E}">
+        <p14:creationId xmlns:p14="http://schemas.microsoft.com/office/powerpoint/2010/main" val="3155596814"/>
+      </p:ext>
+    </p:extLst>
+  </p:cSld>
+  <p:clrMapOvr>
+    <a:masterClrMapping/>
+  </p:clrMapOvr>
+</p:notes>
+</file>
+
+<file path=ppt/notesSlides/notesSlide2.xml><?xml version="1.0" encoding="utf-8"?>
+<p:notes xmlns:a="http://schemas.openxmlformats.org/drawingml/2006/main" xmlns:r="http://schemas.openxmlformats.org/officeDocument/2006/relationships" xmlns:p="http://schemas.openxmlformats.org/presentationml/2006/main">
+  <p:cSld>
+    <p:spTree>
+      <p:nvGrpSpPr>
+        <p:cNvPr id="1" name=""/>
+        <p:cNvGrpSpPr/>
+        <p:nvPr/>
+      </p:nvGrpSpPr>
+      <p:grpSpPr>
+        <a:xfrm>
+          <a:off x="0" y="0"/>
+          <a:ext cx="0" cy="0"/>
+          <a:chOff x="0" y="0"/>
+          <a:chExt cx="0" cy="0"/>
+        </a:xfrm>
+      </p:grpSpPr>
+      <p:sp>
+        <p:nvSpPr>
+          <p:cNvPr id="2" name="Slide Image Placeholder 1"/>
+          <p:cNvSpPr>
+            <a:spLocks noGrp="1" noRot="1" noChangeAspect="1"/>
+          </p:cNvSpPr>
+          <p:nvPr>
+            <p:ph type="sldImg"/>
+          </p:nvPr>
+        </p:nvSpPr>
+        <p:spPr/>
+      </p:sp>
+      <p:sp>
+        <p:nvSpPr>
+          <p:cNvPr id="3" name="Notes Placeholder 2"/>
+          <p:cNvSpPr>
+            <a:spLocks noGrp="1"/>
+          </p:cNvSpPr>
+          <p:nvPr>
+            <p:ph type="body" idx="1"/>
+          </p:nvPr>
+        </p:nvSpPr>
+        <p:spPr/>
+        <p:txBody>
+          <a:bodyPr/>
+          <a:lstStyle/>
+          <a:p>
+            <a:r>
+              <a:rPr lang="en-US" dirty="0"/>
+              <a:t>Lock for 5v adapter 2.5a</a:t>
+            </a:r>
+          </a:p>
+          <a:p>
+            <a:r>
+              <a:rPr lang="en-US" dirty="0"/>
+              <a:t>Block for barrel jack</a:t>
+            </a:r>
+          </a:p>
+          <a:p>
+            <a:r>
+              <a:rPr lang="en-US" dirty="0"/>
+              <a:t>Pb has </a:t>
+            </a:r>
+            <a:r>
+              <a:rPr lang="en-US" dirty="0" err="1"/>
+              <a:t>pwer</a:t>
+            </a:r>
+            <a:r>
+              <a:rPr lang="en-US" dirty="0"/>
+              <a:t> and </a:t>
+            </a:r>
+            <a:r>
+              <a:rPr lang="en-US" dirty="0" err="1"/>
+              <a:t>gnd</a:t>
+            </a:r>
+            <a:r>
+              <a:rPr lang="en-US" dirty="0"/>
+              <a:t> for mic </a:t>
+            </a:r>
+          </a:p>
+          <a:p>
+            <a:r>
+              <a:rPr lang="en-US" dirty="0"/>
+              <a:t>Provide for display and button too </a:t>
+            </a:r>
+          </a:p>
+          <a:p>
+            <a:r>
+              <a:rPr lang="en-US" dirty="0"/>
+              <a:t>Mic pin 18 17(</a:t>
+            </a:r>
+            <a:r>
+              <a:rPr lang="en-US" dirty="0" err="1"/>
+              <a:t>gnd</a:t>
+            </a:r>
+            <a:r>
+              <a:rPr lang="en-US" dirty="0"/>
+              <a:t>) p1 go into 19. </a:t>
+            </a:r>
+          </a:p>
+          <a:p>
+            <a:r>
+              <a:rPr lang="en-US" dirty="0"/>
+              <a:t>Specify </a:t>
+            </a:r>
+            <a:r>
+              <a:rPr lang="en-US"/>
+              <a:t>pins better </a:t>
+            </a:r>
+          </a:p>
+          <a:p>
+            <a:endParaRPr lang="en-US" dirty="0"/>
+          </a:p>
+        </p:txBody>
+      </p:sp>
+      <p:sp>
+        <p:nvSpPr>
+          <p:cNvPr id="4" name="Slide Number Placeholder 3"/>
+          <p:cNvSpPr>
+            <a:spLocks noGrp="1"/>
+          </p:cNvSpPr>
+          <p:nvPr>
+            <p:ph type="sldNum" sz="quarter" idx="5"/>
+          </p:nvPr>
+        </p:nvSpPr>
+        <p:spPr/>
+        <p:txBody>
+          <a:bodyPr/>
+          <a:lstStyle/>
+          <a:p>
+            <a:fld id="{82869989-EB00-4EE7-BCB5-25BDC5BB29F8}" type="slidenum">
+              <a:rPr lang="en-US" smtClean="0"/>
+              <a:t>4</a:t>
+            </a:fld>
+            <a:endParaRPr lang="en-US"/>
+          </a:p>
+        </p:txBody>
+      </p:sp>
+    </p:spTree>
+    <p:extLst>
+      <p:ext uri="{BB962C8B-B14F-4D97-AF65-F5344CB8AC3E}">
+        <p14:creationId xmlns:p14="http://schemas.microsoft.com/office/powerpoint/2010/main" val="2765842962"/>
+      </p:ext>
+    </p:extLst>
+  </p:cSld>
+  <p:clrMapOvr>
+    <a:masterClrMapping/>
+  </p:clrMapOvr>
+</p:notes>
+</file>
+
+<file path=ppt/notesSlides/notesSlide3.xml><?xml version="1.0" encoding="utf-8"?>
+<p:notes xmlns:a="http://schemas.openxmlformats.org/drawingml/2006/main" xmlns:r="http://schemas.openxmlformats.org/officeDocument/2006/relationships" xmlns:p="http://schemas.openxmlformats.org/presentationml/2006/main">
+  <p:cSld>
+    <p:spTree>
+      <p:nvGrpSpPr>
+        <p:cNvPr id="1" name=""/>
+        <p:cNvGrpSpPr/>
+        <p:nvPr/>
+      </p:nvGrpSpPr>
+      <p:grpSpPr>
+        <a:xfrm>
+          <a:off x="0" y="0"/>
+          <a:ext cx="0" cy="0"/>
+          <a:chOff x="0" y="0"/>
+          <a:chExt cx="0" cy="0"/>
+        </a:xfrm>
+      </p:grpSpPr>
+      <p:sp>
+        <p:nvSpPr>
+          <p:cNvPr id="2" name="Slide Image Placeholder 1"/>
+          <p:cNvSpPr>
+            <a:spLocks noGrp="1" noRot="1" noChangeAspect="1"/>
+          </p:cNvSpPr>
+          <p:nvPr>
+            <p:ph type="sldImg"/>
+          </p:nvPr>
+        </p:nvSpPr>
+        <p:spPr/>
+      </p:sp>
+      <p:sp>
+        <p:nvSpPr>
+          <p:cNvPr id="3" name="Notes Placeholder 2"/>
+          <p:cNvSpPr>
+            <a:spLocks noGrp="1"/>
+          </p:cNvSpPr>
+          <p:nvPr>
+            <p:ph type="body" idx="1"/>
+          </p:nvPr>
+        </p:nvSpPr>
+        <p:spPr/>
+        <p:txBody>
+          <a:bodyPr/>
+          <a:lstStyle/>
+          <a:p>
+            <a:r>
+              <a:rPr lang="en-US" dirty="0"/>
+              <a:t>Pull power off for servo. </a:t>
+            </a:r>
+          </a:p>
+          <a:p>
+            <a:r>
+              <a:rPr lang="en-US" dirty="0"/>
+              <a:t>Power jack: 2-3 amp? Barrel power jack to screw terminal. </a:t>
+            </a:r>
+          </a:p>
+          <a:p>
+            <a:endParaRPr lang="en-US" dirty="0"/>
+          </a:p>
+          <a:p>
+            <a:r>
+              <a:rPr lang="en-US" dirty="0"/>
+              <a:t>Take FFT of analog input for fundamental frequencies. </a:t>
+            </a:r>
+          </a:p>
+          <a:p>
+            <a:r>
+              <a:rPr lang="en-US" dirty="0"/>
+              <a:t>Backup microphone, </a:t>
+            </a:r>
+            <a:r>
+              <a:rPr lang="en-US" dirty="0" err="1"/>
+              <a:t>thry</a:t>
+            </a:r>
+            <a:r>
+              <a:rPr lang="en-US" dirty="0"/>
+              <a:t> with first one first. </a:t>
+            </a:r>
+          </a:p>
+        </p:txBody>
+      </p:sp>
+      <p:sp>
+        <p:nvSpPr>
+          <p:cNvPr id="4" name="Slide Number Placeholder 3"/>
+          <p:cNvSpPr>
+            <a:spLocks noGrp="1"/>
+          </p:cNvSpPr>
+          <p:nvPr>
+            <p:ph type="sldNum" sz="quarter" idx="5"/>
+          </p:nvPr>
+        </p:nvSpPr>
+        <p:spPr/>
+        <p:txBody>
+          <a:bodyPr/>
+          <a:lstStyle/>
+          <a:p>
+            <a:fld id="{82869989-EB00-4EE7-BCB5-25BDC5BB29F8}" type="slidenum">
+              <a:rPr lang="en-US" smtClean="0"/>
+              <a:t>5</a:t>
+            </a:fld>
+            <a:endParaRPr lang="en-US"/>
+          </a:p>
+        </p:txBody>
+      </p:sp>
+    </p:spTree>
+    <p:extLst>
+      <p:ext uri="{BB962C8B-B14F-4D97-AF65-F5344CB8AC3E}">
+        <p14:creationId xmlns:p14="http://schemas.microsoft.com/office/powerpoint/2010/main" val="2308246211"/>
+      </p:ext>
+    </p:extLst>
+  </p:cSld>
+  <p:clrMapOvr>
+    <a:masterClrMapping/>
+  </p:clrMapOvr>
+</p:notes>
 </file>
 
 <file path=ppt/slideLayouts/slideLayout1.xml><?xml version="1.0" encoding="utf-8"?>
@@ -2844,7 +3225,7 @@
           <a:p>
             <a:fld id="{384A29A4-78C8-47AB-BA06-22CB45938951}" type="datetime1">
               <a:rPr lang="en-US" smtClean="0"/>
-              <a:t>10/4/2020</a:t>
+              <a:t>10/7/2020</a:t>
             </a:fld>
             <a:endParaRPr lang="en-US"/>
           </a:p>
@@ -3039,7 +3420,7 @@
           <a:p>
             <a:fld id="{E1ED4ACF-2D82-46F2-A8E9-23963AA34E86}" type="datetime1">
               <a:rPr lang="en-US" smtClean="0"/>
-              <a:t>10/4/2020</a:t>
+              <a:t>10/7/2020</a:t>
             </a:fld>
             <a:endParaRPr lang="en-US"/>
           </a:p>
@@ -3233,7 +3614,7 @@
           <a:p>
             <a:fld id="{AE374B5B-21A0-4192-BF4C-38187F1A68D8}" type="datetime1">
               <a:rPr lang="en-US" smtClean="0"/>
-              <a:t>10/4/2020</a:t>
+              <a:t>10/7/2020</a:t>
             </a:fld>
             <a:endParaRPr lang="en-US"/>
           </a:p>
@@ -5574,7 +5955,7 @@
           <a:p>
             <a:fld id="{33B5CF7C-B333-48E1-A4A6-83A3C8B73AC0}" type="datetime1">
               <a:rPr lang="en-US" smtClean="0"/>
-              <a:t>10/4/2020</a:t>
+              <a:t>10/7/2020</a:t>
             </a:fld>
             <a:endParaRPr lang="en-US"/>
           </a:p>
@@ -6027,7 +6408,7 @@
           <a:p>
             <a:fld id="{AE320762-5CBF-4210-AB54-376B091119F8}" type="datetime1">
               <a:rPr lang="en-US" smtClean="0"/>
-              <a:t>10/4/2020</a:t>
+              <a:t>10/7/2020</a:t>
             </a:fld>
             <a:endParaRPr lang="en-US"/>
           </a:p>
@@ -6159,7 +6540,7 @@
           <a:p>
             <a:fld id="{7F0DB371-BF5F-4058-A212-1A908E4D2674}" type="datetime1">
               <a:rPr lang="en-US" smtClean="0"/>
-              <a:t>10/4/2020</a:t>
+              <a:t>10/7/2020</a:t>
             </a:fld>
             <a:endParaRPr lang="en-US"/>
           </a:p>
@@ -8092,7 +8473,7 @@
           <a:p>
             <a:fld id="{60A4083B-90AA-48CF-BAD5-00AA24D7F288}" type="datetime1">
               <a:rPr lang="en-US" smtClean="0"/>
-              <a:t>10/4/2020</a:t>
+              <a:t>10/7/2020</a:t>
             </a:fld>
             <a:endParaRPr lang="en-US"/>
           </a:p>
@@ -10351,7 +10732,7 @@
             <a:fld id="{F5BAF629-ECA2-4CF3-B790-9D9BDED98269}" type="datetime1">
               <a:rPr lang="en-US" smtClean="0"/>
               <a:pPr/>
-              <a:t>10/4/2020</a:t>
+              <a:t>10/7/2020</a:t>
             </a:fld>
             <a:endParaRPr lang="en-US"/>
           </a:p>
@@ -14646,7 +15027,7 @@
             <a:fld id="{B51B2453-8663-4C69-AF73-9FD7B1DEC5D0}" type="datetime1">
               <a:rPr lang="en-US" smtClean="0"/>
               <a:pPr/>
-              <a:t>10/4/2020</a:t>
+              <a:t>10/7/2020</a:t>
             </a:fld>
             <a:endParaRPr lang="en-US" dirty="0"/>
           </a:p>
@@ -15293,7 +15674,7 @@
           <p:nvPr/>
         </p:nvPicPr>
         <p:blipFill>
-          <a:blip r:embed="rId2"/>
+          <a:blip r:embed="rId3"/>
           <a:stretch>
             <a:fillRect/>
           </a:stretch>
@@ -17227,7 +17608,7 @@
             <p:ph idx="1"/>
             <p:extLst>
               <p:ext uri="{D42A27DB-BD31-4B8C-83A1-F6EECF244321}">
-                <p14:modId xmlns:p14="http://schemas.microsoft.com/office/powerpoint/2010/main" val="758051106"/>
+                <p14:modId xmlns:p14="http://schemas.microsoft.com/office/powerpoint/2010/main" val="282580345"/>
               </p:ext>
             </p:extLst>
           </p:nvPr>
@@ -17411,7 +17792,7 @@
                     <a:p>
                       <a:r>
                         <a:rPr lang="en-US" dirty="0">
-                          <a:hlinkClick r:id="rId2"/>
+                          <a:hlinkClick r:id="rId3"/>
                         </a:rPr>
                         <a:t>https://adafruit.it/865</a:t>
                       </a:r>
@@ -17554,7 +17935,10 @@
                     <a:bodyPr/>
                     <a:lstStyle/>
                     <a:p>
-                      <a:endParaRPr lang="en-US" dirty="0"/>
+                      <a:r>
+                        <a:rPr lang="en-US" dirty="0"/>
+                        <a:t>5v Barrel adapter</a:t>
+                      </a:r>
                     </a:p>
                   </a:txBody>
                   <a:tcPr/>

--- a/ENGI301_project_proposal.pptx
+++ b/ENGI301_project_proposal.pptx
@@ -1045,6 +1045,20 @@
               <a:rPr lang="en-US" dirty="0"/>
               <a:t> with first one first. </a:t>
             </a:r>
+          </a:p>
+          <a:p>
+            <a:endParaRPr lang="en-US" dirty="0"/>
+          </a:p>
+          <a:p>
+            <a:r>
+              <a:rPr lang="en-US" dirty="0"/>
+              <a:t>Check in </a:t>
+            </a:r>
+            <a:r>
+              <a:rPr lang="en-US"/>
+              <a:t>by Saturday. </a:t>
+            </a:r>
+            <a:endParaRPr lang="en-US" dirty="0"/>
           </a:p>
         </p:txBody>
       </p:sp>
@@ -17608,14 +17622,14 @@
             <p:ph idx="1"/>
             <p:extLst>
               <p:ext uri="{D42A27DB-BD31-4B8C-83A1-F6EECF244321}">
-                <p14:modId xmlns:p14="http://schemas.microsoft.com/office/powerpoint/2010/main" val="282580345"/>
+                <p14:modId xmlns:p14="http://schemas.microsoft.com/office/powerpoint/2010/main" val="2433615649"/>
               </p:ext>
             </p:extLst>
           </p:nvPr>
         </p:nvGraphicFramePr>
         <p:xfrm>
           <a:off x="609600" y="1295400"/>
-          <a:ext cx="10972800" cy="3235960"/>
+          <a:ext cx="10972800" cy="3505200"/>
         </p:xfrm>
         <a:graphic>
           <a:graphicData uri="http://schemas.openxmlformats.org/drawingml/2006/table">
@@ -17937,7 +17951,7 @@
                     <a:p>
                       <a:r>
                         <a:rPr lang="en-US" dirty="0"/>
-                        <a:t>5v Barrel adapter</a:t>
+                        <a:t>5v Barrel adapter </a:t>
                       </a:r>
                     </a:p>
                   </a:txBody>
@@ -17948,7 +17962,10 @@
                     <a:bodyPr/>
                     <a:lstStyle/>
                     <a:p>
-                      <a:endParaRPr lang="en-US" dirty="0"/>
+                      <a:r>
+                        <a:rPr lang="en-US" dirty="0"/>
+                        <a:t>Yes</a:t>
+                      </a:r>
                     </a:p>
                   </a:txBody>
                   <a:tcPr/>
@@ -17975,6 +17992,12 @@
                     <a:bodyPr/>
                     <a:lstStyle/>
                     <a:p>
+                      <a:r>
+                        <a:rPr lang="en-US" dirty="0"/>
+                        <a:t>https://www.amazon.com/gp/product/B07V4F9NDK</a:t>
+                      </a:r>
+                    </a:p>
+                    <a:p>
                       <a:endParaRPr lang="en-US" dirty="0"/>
                     </a:p>
                   </a:txBody>
@@ -17985,7 +18008,10 @@
                     <a:bodyPr/>
                     <a:lstStyle/>
                     <a:p>
-                      <a:endParaRPr lang="en-US" dirty="0"/>
+                      <a:r>
+                        <a:rPr lang="en-US" dirty="0"/>
+                        <a:t>Yes</a:t>
+                      </a:r>
                     </a:p>
                   </a:txBody>
                   <a:tcPr/>

--- a/ENGI301_project_proposal.pptx
+++ b/ENGI301_project_proposal.pptx
@@ -136,6 +136,14 @@
 </p:presentation>
 </file>
 
+<file path=ppt/revisionInfo.xml><?xml version="1.0" encoding="utf-8"?>
+<p1510:revInfo xmlns:a="http://schemas.openxmlformats.org/drawingml/2006/main" xmlns:r="http://schemas.openxmlformats.org/officeDocument/2006/relationships" xmlns:p1510="http://schemas.microsoft.com/office/powerpoint/2015/10/main">
+  <p1510:revLst>
+    <p1510:client id="{84CDCB3F-4E26-4377-931E-0899BE65F8FC}" v="2" dt="2020-10-14T01:15:11.874"/>
+  </p1510:revLst>
+</p1510:revInfo>
+</file>
+
 <file path=ppt/changesInfos/changesInfo1.xml><?xml version="1.0" encoding="utf-8"?>
 <pc:chgInfo xmlns:a="http://schemas.openxmlformats.org/drawingml/2006/main" xmlns:r="http://schemas.openxmlformats.org/officeDocument/2006/relationships" xmlns:ac="http://schemas.microsoft.com/office/drawing/2013/main/command" xmlns:pc="http://schemas.microsoft.com/office/powerpoint/2013/main/command">
   <pc:docChgLst>
@@ -181,7 +189,7 @@
   <pc:docChgLst>
     <pc:chgData name="Callum Edward" userId="891fa4e099465e69" providerId="LiveId" clId="{84CDCB3F-4E26-4377-931E-0899BE65F8FC}"/>
     <pc:docChg chg="custSel modSld">
-      <pc:chgData name="Callum Edward" userId="891fa4e099465e69" providerId="LiveId" clId="{84CDCB3F-4E26-4377-931E-0899BE65F8FC}" dt="2020-10-08T01:53:32.590" v="471" actId="20577"/>
+      <pc:chgData name="Callum Edward" userId="891fa4e099465e69" providerId="LiveId" clId="{84CDCB3F-4E26-4377-931E-0899BE65F8FC}" dt="2020-10-14T01:15:17.919" v="491" actId="20577"/>
       <pc:docMkLst>
         <pc:docMk/>
       </pc:docMkLst>
@@ -193,13 +201,13 @@
         </pc:sldMkLst>
       </pc:sldChg>
       <pc:sldChg chg="modSp mod modNotesTx">
-        <pc:chgData name="Callum Edward" userId="891fa4e099465e69" providerId="LiveId" clId="{84CDCB3F-4E26-4377-931E-0899BE65F8FC}" dt="2020-10-08T01:48:29.806" v="279" actId="20577"/>
+        <pc:chgData name="Callum Edward" userId="891fa4e099465e69" providerId="LiveId" clId="{84CDCB3F-4E26-4377-931E-0899BE65F8FC}" dt="2020-10-14T01:15:17.919" v="491" actId="20577"/>
         <pc:sldMkLst>
           <pc:docMk/>
           <pc:sldMk cId="1131248096" sldId="369"/>
         </pc:sldMkLst>
-        <pc:graphicFrameChg chg="modGraphic">
-          <ac:chgData name="Callum Edward" userId="891fa4e099465e69" providerId="LiveId" clId="{84CDCB3F-4E26-4377-931E-0899BE65F8FC}" dt="2020-10-08T01:43:00.174" v="16" actId="20577"/>
+        <pc:graphicFrameChg chg="mod modGraphic">
+          <ac:chgData name="Callum Edward" userId="891fa4e099465e69" providerId="LiveId" clId="{84CDCB3F-4E26-4377-931E-0899BE65F8FC}" dt="2020-10-14T01:15:17.919" v="491" actId="20577"/>
           <ac:graphicFrameMkLst>
             <pc:docMk/>
             <pc:sldMk cId="1131248096" sldId="369"/>
@@ -301,7 +309,7 @@
           <a:p>
             <a:fld id="{59041DB8-B66F-4DC8-A96E-33677E0F90FF}" type="datetimeFigureOut">
               <a:rPr lang="en-US" smtClean="0"/>
-              <a:t>10/7/2020</a:t>
+              <a:t>10/13/2020</a:t>
             </a:fld>
             <a:endParaRPr lang="en-US"/>
           </a:p>
@@ -466,7 +474,7 @@
           <a:p>
             <a:fld id="{DEB49C4A-65AC-492D-9701-81B46C3AD0E4}" type="datetimeFigureOut">
               <a:rPr lang="en-US" smtClean="0"/>
-              <a:t>10/7/2020</a:t>
+              <a:t>10/13/2020</a:t>
             </a:fld>
             <a:endParaRPr lang="en-US"/>
           </a:p>
@@ -1046,20 +1054,6 @@
               <a:t> with first one first. </a:t>
             </a:r>
           </a:p>
-          <a:p>
-            <a:endParaRPr lang="en-US" dirty="0"/>
-          </a:p>
-          <a:p>
-            <a:r>
-              <a:rPr lang="en-US" dirty="0"/>
-              <a:t>Check in </a:t>
-            </a:r>
-            <a:r>
-              <a:rPr lang="en-US"/>
-              <a:t>by Saturday. </a:t>
-            </a:r>
-            <a:endParaRPr lang="en-US" dirty="0"/>
-          </a:p>
         </p:txBody>
       </p:sp>
       <p:sp>
@@ -3239,7 +3233,7 @@
           <a:p>
             <a:fld id="{384A29A4-78C8-47AB-BA06-22CB45938951}" type="datetime1">
               <a:rPr lang="en-US" smtClean="0"/>
-              <a:t>10/7/2020</a:t>
+              <a:t>10/13/2020</a:t>
             </a:fld>
             <a:endParaRPr lang="en-US"/>
           </a:p>
@@ -3434,7 +3428,7 @@
           <a:p>
             <a:fld id="{E1ED4ACF-2D82-46F2-A8E9-23963AA34E86}" type="datetime1">
               <a:rPr lang="en-US" smtClean="0"/>
-              <a:t>10/7/2020</a:t>
+              <a:t>10/13/2020</a:t>
             </a:fld>
             <a:endParaRPr lang="en-US"/>
           </a:p>
@@ -3628,7 +3622,7 @@
           <a:p>
             <a:fld id="{AE374B5B-21A0-4192-BF4C-38187F1A68D8}" type="datetime1">
               <a:rPr lang="en-US" smtClean="0"/>
-              <a:t>10/7/2020</a:t>
+              <a:t>10/13/2020</a:t>
             </a:fld>
             <a:endParaRPr lang="en-US"/>
           </a:p>
@@ -5969,7 +5963,7 @@
           <a:p>
             <a:fld id="{33B5CF7C-B333-48E1-A4A6-83A3C8B73AC0}" type="datetime1">
               <a:rPr lang="en-US" smtClean="0"/>
-              <a:t>10/7/2020</a:t>
+              <a:t>10/13/2020</a:t>
             </a:fld>
             <a:endParaRPr lang="en-US"/>
           </a:p>
@@ -6422,7 +6416,7 @@
           <a:p>
             <a:fld id="{AE320762-5CBF-4210-AB54-376B091119F8}" type="datetime1">
               <a:rPr lang="en-US" smtClean="0"/>
-              <a:t>10/7/2020</a:t>
+              <a:t>10/13/2020</a:t>
             </a:fld>
             <a:endParaRPr lang="en-US"/>
           </a:p>
@@ -6554,7 +6548,7 @@
           <a:p>
             <a:fld id="{7F0DB371-BF5F-4058-A212-1A908E4D2674}" type="datetime1">
               <a:rPr lang="en-US" smtClean="0"/>
-              <a:t>10/7/2020</a:t>
+              <a:t>10/13/2020</a:t>
             </a:fld>
             <a:endParaRPr lang="en-US"/>
           </a:p>
@@ -8487,7 +8481,7 @@
           <a:p>
             <a:fld id="{60A4083B-90AA-48CF-BAD5-00AA24D7F288}" type="datetime1">
               <a:rPr lang="en-US" smtClean="0"/>
-              <a:t>10/7/2020</a:t>
+              <a:t>10/13/2020</a:t>
             </a:fld>
             <a:endParaRPr lang="en-US"/>
           </a:p>
@@ -10746,7 +10740,7 @@
             <a:fld id="{F5BAF629-ECA2-4CF3-B790-9D9BDED98269}" type="datetime1">
               <a:rPr lang="en-US" smtClean="0"/>
               <a:pPr/>
-              <a:t>10/7/2020</a:t>
+              <a:t>10/13/2020</a:t>
             </a:fld>
             <a:endParaRPr lang="en-US"/>
           </a:p>
@@ -15041,7 +15035,7 @@
             <a:fld id="{B51B2453-8663-4C69-AF73-9FD7B1DEC5D0}" type="datetime1">
               <a:rPr lang="en-US" smtClean="0"/>
               <a:pPr/>
-              <a:t>10/7/2020</a:t>
+              <a:t>10/13/2020</a:t>
             </a:fld>
             <a:endParaRPr lang="en-US" dirty="0"/>
           </a:p>
@@ -17622,14 +17616,14 @@
             <p:ph idx="1"/>
             <p:extLst>
               <p:ext uri="{D42A27DB-BD31-4B8C-83A1-F6EECF244321}">
-                <p14:modId xmlns:p14="http://schemas.microsoft.com/office/powerpoint/2010/main" val="2433615649"/>
+                <p14:modId xmlns:p14="http://schemas.microsoft.com/office/powerpoint/2010/main" val="2199193940"/>
               </p:ext>
             </p:extLst>
           </p:nvPr>
         </p:nvGraphicFramePr>
         <p:xfrm>
           <a:off x="609600" y="1295400"/>
-          <a:ext cx="10972800" cy="3505200"/>
+          <a:ext cx="10972800" cy="3779520"/>
         </p:xfrm>
         <a:graphic>
           <a:graphicData uri="http://schemas.openxmlformats.org/drawingml/2006/table">
@@ -17951,7 +17945,7 @@
                     <a:p>
                       <a:r>
                         <a:rPr lang="en-US" dirty="0"/>
-                        <a:t>5v Barrel adapter </a:t>
+                        <a:t>https://www.adafruit.com/product/276</a:t>
                       </a:r>
                     </a:p>
                   </a:txBody>
@@ -17975,6 +17969,10 @@
                     <a:bodyPr/>
                     <a:lstStyle/>
                     <a:p>
+                      <a:r>
+                        <a:rPr lang="en-US"/>
+                        <a:t>7.95</a:t>
+                      </a:r>
                       <a:endParaRPr lang="en-US" dirty="0"/>
                     </a:p>
                   </a:txBody>
@@ -17994,11 +17992,8 @@
                     <a:p>
                       <a:r>
                         <a:rPr lang="en-US" dirty="0"/>
-                        <a:t>https://www.amazon.com/gp/product/B07V4F9NDK</a:t>
+                        <a:t>https://www.adafruit.com/product/368?gclid=Cj0KCQjwoJX8BRCZARIsAEWBFMKLKonJh2rwlF8zYJFWhqgTz3il9I4ElfN9N32iJgf-WoJdIJmE6rkaAmzPEALw_wcB</a:t>
                       </a:r>
-                    </a:p>
-                    <a:p>
-                      <a:endParaRPr lang="en-US" dirty="0"/>
                     </a:p>
                   </a:txBody>
                   <a:tcPr/>
@@ -18021,7 +18016,10 @@
                     <a:bodyPr/>
                     <a:lstStyle/>
                     <a:p>
-                      <a:endParaRPr lang="en-US" dirty="0"/>
+                      <a:r>
+                        <a:rPr lang="en-US" dirty="0"/>
+                        <a:t>2.00</a:t>
+                      </a:r>
                     </a:p>
                   </a:txBody>
                   <a:tcPr/>

--- a/ENGI301_project_proposal.pptx
+++ b/ENGI301_project_proposal.pptx
@@ -5,17 +5,18 @@
     <p:sldMasterId id="2147483648" r:id="rId1"/>
   </p:sldMasterIdLst>
   <p:notesMasterIdLst>
-    <p:notesMasterId r:id="rId7"/>
+    <p:notesMasterId r:id="rId8"/>
   </p:notesMasterIdLst>
   <p:handoutMasterIdLst>
-    <p:handoutMasterId r:id="rId8"/>
+    <p:handoutMasterId r:id="rId9"/>
   </p:handoutMasterIdLst>
   <p:sldIdLst>
     <p:sldId id="261" r:id="rId2"/>
     <p:sldId id="367" r:id="rId3"/>
-    <p:sldId id="368" r:id="rId4"/>
-    <p:sldId id="370" r:id="rId5"/>
-    <p:sldId id="369" r:id="rId6"/>
+    <p:sldId id="371" r:id="rId4"/>
+    <p:sldId id="368" r:id="rId5"/>
+    <p:sldId id="370" r:id="rId6"/>
+    <p:sldId id="369" r:id="rId7"/>
   </p:sldIdLst>
   <p:sldSz cx="12192000" cy="6858000"/>
   <p:notesSz cx="6858000" cy="9144000"/>
@@ -188,17 +189,25 @@
   </pc:docChgLst>
   <pc:docChgLst>
     <pc:chgData name="Callum Edward" userId="891fa4e099465e69" providerId="LiveId" clId="{84CDCB3F-4E26-4377-931E-0899BE65F8FC}"/>
-    <pc:docChg chg="custSel modSld">
-      <pc:chgData name="Callum Edward" userId="891fa4e099465e69" providerId="LiveId" clId="{84CDCB3F-4E26-4377-931E-0899BE65F8FC}" dt="2020-10-14T01:15:17.919" v="491" actId="20577"/>
+    <pc:docChg chg="undo custSel addSld modSld">
+      <pc:chgData name="Callum Edward" userId="891fa4e099465e69" providerId="LiveId" clId="{84CDCB3F-4E26-4377-931E-0899BE65F8FC}" dt="2020-11-07T20:49:53.176" v="855" actId="20577"/>
       <pc:docMkLst>
         <pc:docMk/>
       </pc:docMkLst>
-      <pc:sldChg chg="modNotesTx">
-        <pc:chgData name="Callum Edward" userId="891fa4e099465e69" providerId="LiveId" clId="{84CDCB3F-4E26-4377-931E-0899BE65F8FC}" dt="2020-10-08T01:43:46.206" v="116" actId="20577"/>
+      <pc:sldChg chg="modSp mod modNotesTx">
+        <pc:chgData name="Callum Edward" userId="891fa4e099465e69" providerId="LiveId" clId="{84CDCB3F-4E26-4377-931E-0899BE65F8FC}" dt="2020-11-07T19:16:41.810" v="778" actId="6549"/>
         <pc:sldMkLst>
           <pc:docMk/>
           <pc:sldMk cId="3519531026" sldId="367"/>
         </pc:sldMkLst>
+        <pc:spChg chg="mod">
+          <ac:chgData name="Callum Edward" userId="891fa4e099465e69" providerId="LiveId" clId="{84CDCB3F-4E26-4377-931E-0899BE65F8FC}" dt="2020-11-07T19:16:41.810" v="778" actId="6549"/>
+          <ac:spMkLst>
+            <pc:docMk/>
+            <pc:sldMk cId="3519531026" sldId="367"/>
+            <ac:spMk id="3" creationId="{8ED8AE04-697D-4784-A672-E28DA6A47AB6}"/>
+          </ac:spMkLst>
+        </pc:spChg>
       </pc:sldChg>
       <pc:sldChg chg="modSp mod modNotesTx">
         <pc:chgData name="Callum Edward" userId="891fa4e099465e69" providerId="LiveId" clId="{84CDCB3F-4E26-4377-931E-0899BE65F8FC}" dt="2020-10-14T01:15:17.919" v="491" actId="20577"/>
@@ -221,6 +230,37 @@
           <pc:docMk/>
           <pc:sldMk cId="4204615274" sldId="370"/>
         </pc:sldMkLst>
+      </pc:sldChg>
+      <pc:sldChg chg="addSp modSp new mod">
+        <pc:chgData name="Callum Edward" userId="891fa4e099465e69" providerId="LiveId" clId="{84CDCB3F-4E26-4377-931E-0899BE65F8FC}" dt="2020-11-07T20:49:53.176" v="855" actId="20577"/>
+        <pc:sldMkLst>
+          <pc:docMk/>
+          <pc:sldMk cId="3595686842" sldId="371"/>
+        </pc:sldMkLst>
+        <pc:spChg chg="mod">
+          <ac:chgData name="Callum Edward" userId="891fa4e099465e69" providerId="LiveId" clId="{84CDCB3F-4E26-4377-931E-0899BE65F8FC}" dt="2020-11-07T20:49:31.158" v="802" actId="20577"/>
+          <ac:spMkLst>
+            <pc:docMk/>
+            <pc:sldMk cId="3595686842" sldId="371"/>
+            <ac:spMk id="2" creationId="{C03860C3-F84A-4D27-A17C-3F4963C0D887}"/>
+          </ac:spMkLst>
+        </pc:spChg>
+        <pc:spChg chg="add mod">
+          <ac:chgData name="Callum Edward" userId="891fa4e099465e69" providerId="LiveId" clId="{84CDCB3F-4E26-4377-931E-0899BE65F8FC}" dt="2020-11-07T20:49:40.485" v="815" actId="1076"/>
+          <ac:spMkLst>
+            <pc:docMk/>
+            <pc:sldMk cId="3595686842" sldId="371"/>
+            <ac:spMk id="4" creationId="{3AF4548A-EA91-4334-A429-498F4D4BE86E}"/>
+          </ac:spMkLst>
+        </pc:spChg>
+        <pc:spChg chg="add mod">
+          <ac:chgData name="Callum Edward" userId="891fa4e099465e69" providerId="LiveId" clId="{84CDCB3F-4E26-4377-931E-0899BE65F8FC}" dt="2020-11-07T20:49:53.176" v="855" actId="20577"/>
+          <ac:spMkLst>
+            <pc:docMk/>
+            <pc:sldMk cId="3595686842" sldId="371"/>
+            <ac:spMk id="5" creationId="{079927DC-78F4-4E7A-A424-4555778E99F1}"/>
+          </ac:spMkLst>
+        </pc:spChg>
       </pc:sldChg>
     </pc:docChg>
   </pc:docChgLst>
@@ -309,7 +349,7 @@
           <a:p>
             <a:fld id="{59041DB8-B66F-4DC8-A96E-33677E0F90FF}" type="datetimeFigureOut">
               <a:rPr lang="en-US" smtClean="0"/>
-              <a:t>10/13/2020</a:t>
+              <a:t>11/7/2020</a:t>
             </a:fld>
             <a:endParaRPr lang="en-US"/>
           </a:p>
@@ -474,7 +514,7 @@
           <a:p>
             <a:fld id="{DEB49C4A-65AC-492D-9701-81B46C3AD0E4}" type="datetimeFigureOut">
               <a:rPr lang="en-US" smtClean="0"/>
-              <a:t>10/13/2020</a:t>
+              <a:t>11/7/2020</a:t>
             </a:fld>
             <a:endParaRPr lang="en-US"/>
           </a:p>
@@ -928,11 +968,7 @@
           <a:p>
             <a:r>
               <a:rPr lang="en-US" dirty="0"/>
-              <a:t>Specify </a:t>
-            </a:r>
-            <a:r>
-              <a:rPr lang="en-US"/>
-              <a:t>pins better </a:t>
+              <a:t>Specify pins better </a:t>
             </a:r>
           </a:p>
           <a:p>
@@ -957,7 +993,7 @@
           <a:p>
             <a:fld id="{82869989-EB00-4EE7-BCB5-25BDC5BB29F8}" type="slidenum">
               <a:rPr lang="en-US" smtClean="0"/>
-              <a:t>4</a:t>
+              <a:t>5</a:t>
             </a:fld>
             <a:endParaRPr lang="en-US"/>
           </a:p>
@@ -1073,7 +1109,7 @@
           <a:p>
             <a:fld id="{82869989-EB00-4EE7-BCB5-25BDC5BB29F8}" type="slidenum">
               <a:rPr lang="en-US" smtClean="0"/>
-              <a:t>5</a:t>
+              <a:t>6</a:t>
             </a:fld>
             <a:endParaRPr lang="en-US"/>
           </a:p>
@@ -3233,7 +3269,7 @@
           <a:p>
             <a:fld id="{384A29A4-78C8-47AB-BA06-22CB45938951}" type="datetime1">
               <a:rPr lang="en-US" smtClean="0"/>
-              <a:t>10/13/2020</a:t>
+              <a:t>11/7/2020</a:t>
             </a:fld>
             <a:endParaRPr lang="en-US"/>
           </a:p>
@@ -3428,7 +3464,7 @@
           <a:p>
             <a:fld id="{E1ED4ACF-2D82-46F2-A8E9-23963AA34E86}" type="datetime1">
               <a:rPr lang="en-US" smtClean="0"/>
-              <a:t>10/13/2020</a:t>
+              <a:t>11/7/2020</a:t>
             </a:fld>
             <a:endParaRPr lang="en-US"/>
           </a:p>
@@ -3622,7 +3658,7 @@
           <a:p>
             <a:fld id="{AE374B5B-21A0-4192-BF4C-38187F1A68D8}" type="datetime1">
               <a:rPr lang="en-US" smtClean="0"/>
-              <a:t>10/13/2020</a:t>
+              <a:t>11/7/2020</a:t>
             </a:fld>
             <a:endParaRPr lang="en-US"/>
           </a:p>
@@ -5963,7 +5999,7 @@
           <a:p>
             <a:fld id="{33B5CF7C-B333-48E1-A4A6-83A3C8B73AC0}" type="datetime1">
               <a:rPr lang="en-US" smtClean="0"/>
-              <a:t>10/13/2020</a:t>
+              <a:t>11/7/2020</a:t>
             </a:fld>
             <a:endParaRPr lang="en-US"/>
           </a:p>
@@ -6416,7 +6452,7 @@
           <a:p>
             <a:fld id="{AE320762-5CBF-4210-AB54-376B091119F8}" type="datetime1">
               <a:rPr lang="en-US" smtClean="0"/>
-              <a:t>10/13/2020</a:t>
+              <a:t>11/7/2020</a:t>
             </a:fld>
             <a:endParaRPr lang="en-US"/>
           </a:p>
@@ -6548,7 +6584,7 @@
           <a:p>
             <a:fld id="{7F0DB371-BF5F-4058-A212-1A908E4D2674}" type="datetime1">
               <a:rPr lang="en-US" smtClean="0"/>
-              <a:t>10/13/2020</a:t>
+              <a:t>11/7/2020</a:t>
             </a:fld>
             <a:endParaRPr lang="en-US"/>
           </a:p>
@@ -8481,7 +8517,7 @@
           <a:p>
             <a:fld id="{60A4083B-90AA-48CF-BAD5-00AA24D7F288}" type="datetime1">
               <a:rPr lang="en-US" smtClean="0"/>
-              <a:t>10/13/2020</a:t>
+              <a:t>11/7/2020</a:t>
             </a:fld>
             <a:endParaRPr lang="en-US"/>
           </a:p>
@@ -10740,7 +10776,7 @@
             <a:fld id="{F5BAF629-ECA2-4CF3-B790-9D9BDED98269}" type="datetime1">
               <a:rPr lang="en-US" smtClean="0"/>
               <a:pPr/>
-              <a:t>10/13/2020</a:t>
+              <a:t>11/7/2020</a:t>
             </a:fld>
             <a:endParaRPr lang="en-US"/>
           </a:p>
@@ -15035,7 +15071,7 @@
             <a:fld id="{B51B2453-8663-4C69-AF73-9FD7B1DEC5D0}" type="datetime1">
               <a:rPr lang="en-US" smtClean="0"/>
               <a:pPr/>
-              <a:t>10/13/2020</a:t>
+              <a:t>11/7/2020</a:t>
             </a:fld>
             <a:endParaRPr lang="en-US" dirty="0"/>
           </a:p>
@@ -15656,13 +15692,13 @@
           <a:p>
             <a:r>
               <a:rPr lang="en-US" dirty="0"/>
-              <a:t>Like any string instrument, guitars go out of tune. Tuning in itself is not an arduous task. A user will play the string and rotate tuners until the strings vibrate at the correct frequency. However, the issue with this process is that the steps are entirely manual. It would be nice to click a button and have a device tune the strings for you. </a:t>
+              <a:t>Like any string instrument, guitars go out of tune. Tuning is an arduous task. A user will play the string and rotate tuners until the strings vibrate at the correct frequency. However, the issue with this process is that tuners can be inconsistent. It would be nice to click a button and have a device turn the tuners for you. </a:t>
             </a:r>
           </a:p>
           <a:p>
             <a:r>
               <a:rPr lang="en-US" dirty="0"/>
-              <a:t>My proposal is for a handheld servo-run device which will listen to the frequency of a string and rotate the guitar tuners to achieve the desired pitch. </a:t>
+              <a:t>My proposal is for a handheld servo-run device which will listen to the frequency of a string, display the string’s frequency, and have buttons to rotate the servo allowing an user to </a:t>
             </a:r>
           </a:p>
         </p:txBody>
@@ -15797,6 +15833,203 @@
 </file>
 
 <file path=ppt/slides/slide3.xml><?xml version="1.0" encoding="utf-8"?>
+<p:sld xmlns:a="http://schemas.openxmlformats.org/drawingml/2006/main" xmlns:r="http://schemas.openxmlformats.org/officeDocument/2006/relationships" xmlns:p="http://schemas.openxmlformats.org/presentationml/2006/main">
+  <p:cSld>
+    <p:spTree>
+      <p:nvGrpSpPr>
+        <p:cNvPr id="1" name=""/>
+        <p:cNvGrpSpPr/>
+        <p:nvPr/>
+      </p:nvGrpSpPr>
+      <p:grpSpPr>
+        <a:xfrm>
+          <a:off x="0" y="0"/>
+          <a:ext cx="0" cy="0"/>
+          <a:chOff x="0" y="0"/>
+          <a:chExt cx="0" cy="0"/>
+        </a:xfrm>
+      </p:grpSpPr>
+      <p:sp>
+        <p:nvSpPr>
+          <p:cNvPr id="2" name="Title 1">
+            <a:extLst>
+              <a:ext uri="{FF2B5EF4-FFF2-40B4-BE49-F238E27FC236}">
+                <a16:creationId xmlns:a16="http://schemas.microsoft.com/office/drawing/2014/main" id="{C03860C3-F84A-4D27-A17C-3F4963C0D887}"/>
+              </a:ext>
+            </a:extLst>
+          </p:cNvPr>
+          <p:cNvSpPr>
+            <a:spLocks noGrp="1"/>
+          </p:cNvSpPr>
+          <p:nvPr>
+            <p:ph type="title"/>
+          </p:nvPr>
+        </p:nvSpPr>
+        <p:spPr/>
+        <p:txBody>
+          <a:bodyPr/>
+          <a:lstStyle/>
+          <a:p>
+            <a:r>
+              <a:rPr lang="en-US" dirty="0"/>
+              <a:t>How this works </a:t>
+            </a:r>
+          </a:p>
+        </p:txBody>
+      </p:sp>
+      <p:sp>
+        <p:nvSpPr>
+          <p:cNvPr id="3" name="Content Placeholder 2">
+            <a:extLst>
+              <a:ext uri="{FF2B5EF4-FFF2-40B4-BE49-F238E27FC236}">
+                <a16:creationId xmlns:a16="http://schemas.microsoft.com/office/drawing/2014/main" id="{F912D300-4FEB-4735-9DA5-47E8F71CB0E8}"/>
+              </a:ext>
+            </a:extLst>
+          </p:cNvPr>
+          <p:cNvSpPr>
+            <a:spLocks noGrp="1"/>
+          </p:cNvSpPr>
+          <p:nvPr>
+            <p:ph idx="1"/>
+          </p:nvPr>
+        </p:nvSpPr>
+        <p:spPr/>
+        <p:txBody>
+          <a:bodyPr/>
+          <a:lstStyle/>
+          <a:p>
+            <a:endParaRPr lang="en-US"/>
+          </a:p>
+        </p:txBody>
+      </p:sp>
+      <p:sp>
+        <p:nvSpPr>
+          <p:cNvPr id="4" name="Rectangle 3">
+            <a:extLst>
+              <a:ext uri="{FF2B5EF4-FFF2-40B4-BE49-F238E27FC236}">
+                <a16:creationId xmlns:a16="http://schemas.microsoft.com/office/drawing/2014/main" id="{3AF4548A-EA91-4334-A429-498F4D4BE86E}"/>
+              </a:ext>
+            </a:extLst>
+          </p:cNvPr>
+          <p:cNvSpPr/>
+          <p:nvPr/>
+        </p:nvSpPr>
+        <p:spPr>
+          <a:xfrm>
+            <a:off x="876300" y="1733550"/>
+            <a:ext cx="1562100" cy="1143000"/>
+          </a:xfrm>
+          <a:prstGeom prst="rect">
+            <a:avLst/>
+          </a:prstGeom>
+        </p:spPr>
+        <p:style>
+          <a:lnRef idx="2">
+            <a:schemeClr val="accent1">
+              <a:shade val="50000"/>
+            </a:schemeClr>
+          </a:lnRef>
+          <a:fillRef idx="1">
+            <a:schemeClr val="accent1"/>
+          </a:fillRef>
+          <a:effectRef idx="0">
+            <a:schemeClr val="accent1"/>
+          </a:effectRef>
+          <a:fontRef idx="minor">
+            <a:schemeClr val="lt1"/>
+          </a:fontRef>
+        </p:style>
+        <p:txBody>
+          <a:bodyPr rtlCol="0" anchor="ctr"/>
+          <a:lstStyle/>
+          <a:p>
+            <a:pPr algn="ctr"/>
+            <a:r>
+              <a:rPr lang="en-US" dirty="0"/>
+              <a:t>Sound input</a:t>
+            </a:r>
+          </a:p>
+        </p:txBody>
+      </p:sp>
+      <p:sp>
+        <p:nvSpPr>
+          <p:cNvPr id="5" name="Rectangle 4">
+            <a:extLst>
+              <a:ext uri="{FF2B5EF4-FFF2-40B4-BE49-F238E27FC236}">
+                <a16:creationId xmlns:a16="http://schemas.microsoft.com/office/drawing/2014/main" id="{079927DC-78F4-4E7A-A424-4555778E99F1}"/>
+              </a:ext>
+            </a:extLst>
+          </p:cNvPr>
+          <p:cNvSpPr/>
+          <p:nvPr/>
+        </p:nvSpPr>
+        <p:spPr>
+          <a:xfrm>
+            <a:off x="2933700" y="1638300"/>
+            <a:ext cx="1714500" cy="1333500"/>
+          </a:xfrm>
+          <a:prstGeom prst="rect">
+            <a:avLst/>
+          </a:prstGeom>
+        </p:spPr>
+        <p:style>
+          <a:lnRef idx="2">
+            <a:schemeClr val="accent1">
+              <a:shade val="50000"/>
+            </a:schemeClr>
+          </a:lnRef>
+          <a:fillRef idx="1">
+            <a:schemeClr val="accent1"/>
+          </a:fillRef>
+          <a:effectRef idx="0">
+            <a:schemeClr val="accent1"/>
+          </a:effectRef>
+          <a:fontRef idx="minor">
+            <a:schemeClr val="lt1"/>
+          </a:fontRef>
+        </p:style>
+        <p:txBody>
+          <a:bodyPr rtlCol="0" anchor="ctr"/>
+          <a:lstStyle/>
+          <a:p>
+            <a:pPr algn="ctr"/>
+            <a:r>
+              <a:rPr lang="en-US" dirty="0"/>
+              <a:t>Display note on </a:t>
+            </a:r>
+            <a:r>
+              <a:rPr lang="en-US"/>
+              <a:t>the screen </a:t>
+            </a:r>
+          </a:p>
+        </p:txBody>
+      </p:sp>
+    </p:spTree>
+    <p:extLst>
+      <p:ext uri="{BB962C8B-B14F-4D97-AF65-F5344CB8AC3E}">
+        <p14:creationId xmlns:p14="http://schemas.microsoft.com/office/powerpoint/2010/main" val="3595686842"/>
+      </p:ext>
+    </p:extLst>
+  </p:cSld>
+  <p:clrMapOvr>
+    <a:masterClrMapping/>
+  </p:clrMapOvr>
+  <mc:AlternateContent xmlns:mc="http://schemas.openxmlformats.org/markup-compatibility/2006" xmlns:p14="http://schemas.microsoft.com/office/powerpoint/2010/main">
+    <mc:Choice Requires="p14">
+      <p:transition spd="med" p14:dur="700">
+        <p:fade/>
+      </p:transition>
+    </mc:Choice>
+    <mc:Fallback xmlns="">
+      <p:transition spd="med">
+        <p:fade/>
+      </p:transition>
+    </mc:Fallback>
+  </mc:AlternateContent>
+</p:sld>
+</file>
+
+<file path=ppt/slides/slide4.xml><?xml version="1.0" encoding="utf-8"?>
 <p:sld xmlns:a="http://schemas.openxmlformats.org/drawingml/2006/main" xmlns:r="http://schemas.openxmlformats.org/officeDocument/2006/relationships" xmlns:p="http://schemas.openxmlformats.org/presentationml/2006/main">
   <p:cSld>
     <p:spTree>
@@ -16552,7 +16785,7 @@
 </p:sld>
 </file>
 
-<file path=ppt/slides/slide4.xml><?xml version="1.0" encoding="utf-8"?>
+<file path=ppt/slides/slide5.xml><?xml version="1.0" encoding="utf-8"?>
 <p:sld xmlns:a="http://schemas.openxmlformats.org/drawingml/2006/main" xmlns:r="http://schemas.openxmlformats.org/officeDocument/2006/relationships" xmlns:p="http://schemas.openxmlformats.org/presentationml/2006/main">
   <p:cSld>
     <p:spTree>
@@ -17555,7 +17788,7 @@
 </p:sld>
 </file>
 
-<file path=ppt/slides/slide5.xml><?xml version="1.0" encoding="utf-8"?>
+<file path=ppt/slides/slide6.xml><?xml version="1.0" encoding="utf-8"?>
 <p:sld xmlns:a="http://schemas.openxmlformats.org/drawingml/2006/main" xmlns:r="http://schemas.openxmlformats.org/officeDocument/2006/relationships" xmlns:p="http://schemas.openxmlformats.org/presentationml/2006/main">
   <p:cSld>
     <p:spTree>

--- a/ENGI301_project_proposal.pptx
+++ b/ENGI301_project_proposal.pptx
@@ -5,18 +5,17 @@
     <p:sldMasterId id="2147483648" r:id="rId1"/>
   </p:sldMasterIdLst>
   <p:notesMasterIdLst>
-    <p:notesMasterId r:id="rId8"/>
+    <p:notesMasterId r:id="rId7"/>
   </p:notesMasterIdLst>
   <p:handoutMasterIdLst>
-    <p:handoutMasterId r:id="rId9"/>
+    <p:handoutMasterId r:id="rId8"/>
   </p:handoutMasterIdLst>
   <p:sldIdLst>
     <p:sldId id="261" r:id="rId2"/>
     <p:sldId id="367" r:id="rId3"/>
-    <p:sldId id="371" r:id="rId4"/>
-    <p:sldId id="368" r:id="rId5"/>
-    <p:sldId id="370" r:id="rId6"/>
-    <p:sldId id="369" r:id="rId7"/>
+    <p:sldId id="368" r:id="rId4"/>
+    <p:sldId id="370" r:id="rId5"/>
+    <p:sldId id="369" r:id="rId6"/>
   </p:sldIdLst>
   <p:sldSz cx="12192000" cy="6858000"/>
   <p:notesSz cx="6858000" cy="9144000"/>
@@ -140,131 +139,9 @@
 <file path=ppt/revisionInfo.xml><?xml version="1.0" encoding="utf-8"?>
 <p1510:revInfo xmlns:a="http://schemas.openxmlformats.org/drawingml/2006/main" xmlns:r="http://schemas.openxmlformats.org/officeDocument/2006/relationships" xmlns:p1510="http://schemas.microsoft.com/office/powerpoint/2015/10/main">
   <p1510:revLst>
-    <p1510:client id="{84CDCB3F-4E26-4377-931E-0899BE65F8FC}" v="2" dt="2020-10-14T01:15:11.874"/>
+    <p1510:client id="{7DD9BD6F-46F2-47CE-8934-13D1F03DA286}" v="19" dt="2020-11-14T02:07:34.876"/>
   </p1510:revLst>
 </p1510:revInfo>
-</file>
-
-<file path=ppt/changesInfos/changesInfo1.xml><?xml version="1.0" encoding="utf-8"?>
-<pc:chgInfo xmlns:a="http://schemas.openxmlformats.org/drawingml/2006/main" xmlns:r="http://schemas.openxmlformats.org/officeDocument/2006/relationships" xmlns:ac="http://schemas.microsoft.com/office/drawing/2013/main/command" xmlns:pc="http://schemas.microsoft.com/office/powerpoint/2013/main/command">
-  <pc:docChgLst>
-    <pc:chgData name="Callum Edward" userId="891fa4e099465e69" providerId="LiveId" clId="{ACA711AE-2ACC-4AF5-A21D-F90495998A87}"/>
-    <pc:docChg chg="modSld">
-      <pc:chgData name="Callum Edward" userId="891fa4e099465e69" providerId="LiveId" clId="{ACA711AE-2ACC-4AF5-A21D-F90495998A87}" dt="2020-10-04T23:55:23.117" v="34" actId="1076"/>
-      <pc:docMkLst>
-        <pc:docMk/>
-      </pc:docMkLst>
-      <pc:sldChg chg="addSp modSp mod">
-        <pc:chgData name="Callum Edward" userId="891fa4e099465e69" providerId="LiveId" clId="{ACA711AE-2ACC-4AF5-A21D-F90495998A87}" dt="2020-10-04T23:55:23.117" v="34" actId="1076"/>
-        <pc:sldMkLst>
-          <pc:docMk/>
-          <pc:sldMk cId="3519531026" sldId="367"/>
-        </pc:sldMkLst>
-        <pc:spChg chg="add mod">
-          <ac:chgData name="Callum Edward" userId="891fa4e099465e69" providerId="LiveId" clId="{ACA711AE-2ACC-4AF5-A21D-F90495998A87}" dt="2020-10-04T23:55:23.117" v="34" actId="1076"/>
-          <ac:spMkLst>
-            <pc:docMk/>
-            <pc:sldMk cId="3519531026" sldId="367"/>
-            <ac:spMk id="8" creationId="{266A14B3-81FA-4D18-AF02-4A664DF09F6A}"/>
-          </ac:spMkLst>
-        </pc:spChg>
-        <pc:picChg chg="add mod">
-          <ac:chgData name="Callum Edward" userId="891fa4e099465e69" providerId="LiveId" clId="{ACA711AE-2ACC-4AF5-A21D-F90495998A87}" dt="2020-10-04T23:54:53.145" v="6" actId="1076"/>
-          <ac:picMkLst>
-            <pc:docMk/>
-            <pc:sldMk cId="3519531026" sldId="367"/>
-            <ac:picMk id="5" creationId="{C1F42FDD-7FA3-4544-97F1-AE93B612E184}"/>
-          </ac:picMkLst>
-        </pc:picChg>
-        <pc:cxnChg chg="add">
-          <ac:chgData name="Callum Edward" userId="891fa4e099465e69" providerId="LiveId" clId="{ACA711AE-2ACC-4AF5-A21D-F90495998A87}" dt="2020-10-04T23:54:58.081" v="7" actId="11529"/>
-          <ac:cxnSpMkLst>
-            <pc:docMk/>
-            <pc:sldMk cId="3519531026" sldId="367"/>
-            <ac:cxnSpMk id="7" creationId="{45C8DB9C-4E96-47FC-9F5B-999A1E09D6D7}"/>
-          </ac:cxnSpMkLst>
-        </pc:cxnChg>
-      </pc:sldChg>
-    </pc:docChg>
-  </pc:docChgLst>
-  <pc:docChgLst>
-    <pc:chgData name="Callum Edward" userId="891fa4e099465e69" providerId="LiveId" clId="{84CDCB3F-4E26-4377-931E-0899BE65F8FC}"/>
-    <pc:docChg chg="undo custSel addSld modSld">
-      <pc:chgData name="Callum Edward" userId="891fa4e099465e69" providerId="LiveId" clId="{84CDCB3F-4E26-4377-931E-0899BE65F8FC}" dt="2020-11-07T20:49:53.176" v="855" actId="20577"/>
-      <pc:docMkLst>
-        <pc:docMk/>
-      </pc:docMkLst>
-      <pc:sldChg chg="modSp mod modNotesTx">
-        <pc:chgData name="Callum Edward" userId="891fa4e099465e69" providerId="LiveId" clId="{84CDCB3F-4E26-4377-931E-0899BE65F8FC}" dt="2020-11-07T19:16:41.810" v="778" actId="6549"/>
-        <pc:sldMkLst>
-          <pc:docMk/>
-          <pc:sldMk cId="3519531026" sldId="367"/>
-        </pc:sldMkLst>
-        <pc:spChg chg="mod">
-          <ac:chgData name="Callum Edward" userId="891fa4e099465e69" providerId="LiveId" clId="{84CDCB3F-4E26-4377-931E-0899BE65F8FC}" dt="2020-11-07T19:16:41.810" v="778" actId="6549"/>
-          <ac:spMkLst>
-            <pc:docMk/>
-            <pc:sldMk cId="3519531026" sldId="367"/>
-            <ac:spMk id="3" creationId="{8ED8AE04-697D-4784-A672-E28DA6A47AB6}"/>
-          </ac:spMkLst>
-        </pc:spChg>
-      </pc:sldChg>
-      <pc:sldChg chg="modSp mod modNotesTx">
-        <pc:chgData name="Callum Edward" userId="891fa4e099465e69" providerId="LiveId" clId="{84CDCB3F-4E26-4377-931E-0899BE65F8FC}" dt="2020-10-14T01:15:17.919" v="491" actId="20577"/>
-        <pc:sldMkLst>
-          <pc:docMk/>
-          <pc:sldMk cId="1131248096" sldId="369"/>
-        </pc:sldMkLst>
-        <pc:graphicFrameChg chg="mod modGraphic">
-          <ac:chgData name="Callum Edward" userId="891fa4e099465e69" providerId="LiveId" clId="{84CDCB3F-4E26-4377-931E-0899BE65F8FC}" dt="2020-10-14T01:15:17.919" v="491" actId="20577"/>
-          <ac:graphicFrameMkLst>
-            <pc:docMk/>
-            <pc:sldMk cId="1131248096" sldId="369"/>
-            <ac:graphicFrameMk id="4" creationId="{D0B47F4B-CB02-4D02-BE84-F6BC57D0FE26}"/>
-          </ac:graphicFrameMkLst>
-        </pc:graphicFrameChg>
-      </pc:sldChg>
-      <pc:sldChg chg="modNotesTx">
-        <pc:chgData name="Callum Edward" userId="891fa4e099465e69" providerId="LiveId" clId="{84CDCB3F-4E26-4377-931E-0899BE65F8FC}" dt="2020-10-08T01:53:32.590" v="471" actId="20577"/>
-        <pc:sldMkLst>
-          <pc:docMk/>
-          <pc:sldMk cId="4204615274" sldId="370"/>
-        </pc:sldMkLst>
-      </pc:sldChg>
-      <pc:sldChg chg="addSp modSp new mod">
-        <pc:chgData name="Callum Edward" userId="891fa4e099465e69" providerId="LiveId" clId="{84CDCB3F-4E26-4377-931E-0899BE65F8FC}" dt="2020-11-07T20:49:53.176" v="855" actId="20577"/>
-        <pc:sldMkLst>
-          <pc:docMk/>
-          <pc:sldMk cId="3595686842" sldId="371"/>
-        </pc:sldMkLst>
-        <pc:spChg chg="mod">
-          <ac:chgData name="Callum Edward" userId="891fa4e099465e69" providerId="LiveId" clId="{84CDCB3F-4E26-4377-931E-0899BE65F8FC}" dt="2020-11-07T20:49:31.158" v="802" actId="20577"/>
-          <ac:spMkLst>
-            <pc:docMk/>
-            <pc:sldMk cId="3595686842" sldId="371"/>
-            <ac:spMk id="2" creationId="{C03860C3-F84A-4D27-A17C-3F4963C0D887}"/>
-          </ac:spMkLst>
-        </pc:spChg>
-        <pc:spChg chg="add mod">
-          <ac:chgData name="Callum Edward" userId="891fa4e099465e69" providerId="LiveId" clId="{84CDCB3F-4E26-4377-931E-0899BE65F8FC}" dt="2020-11-07T20:49:40.485" v="815" actId="1076"/>
-          <ac:spMkLst>
-            <pc:docMk/>
-            <pc:sldMk cId="3595686842" sldId="371"/>
-            <ac:spMk id="4" creationId="{3AF4548A-EA91-4334-A429-498F4D4BE86E}"/>
-          </ac:spMkLst>
-        </pc:spChg>
-        <pc:spChg chg="add mod">
-          <ac:chgData name="Callum Edward" userId="891fa4e099465e69" providerId="LiveId" clId="{84CDCB3F-4E26-4377-931E-0899BE65F8FC}" dt="2020-11-07T20:49:53.176" v="855" actId="20577"/>
-          <ac:spMkLst>
-            <pc:docMk/>
-            <pc:sldMk cId="3595686842" sldId="371"/>
-            <ac:spMk id="5" creationId="{079927DC-78F4-4E7A-A424-4555778E99F1}"/>
-          </ac:spMkLst>
-        </pc:spChg>
-      </pc:sldChg>
-    </pc:docChg>
-  </pc:docChgLst>
-</pc:chgInfo>
 </file>
 
 <file path=ppt/handoutMasters/handoutMaster1.xml><?xml version="1.0" encoding="utf-8"?>
@@ -349,7 +226,7 @@
           <a:p>
             <a:fld id="{59041DB8-B66F-4DC8-A96E-33677E0F90FF}" type="datetimeFigureOut">
               <a:rPr lang="en-US" smtClean="0"/>
-              <a:t>11/7/2020</a:t>
+              <a:t>11/23/2020</a:t>
             </a:fld>
             <a:endParaRPr lang="en-US"/>
           </a:p>
@@ -514,7 +391,7 @@
           <a:p>
             <a:fld id="{DEB49C4A-65AC-492D-9701-81B46C3AD0E4}" type="datetimeFigureOut">
               <a:rPr lang="en-US" smtClean="0"/>
-              <a:t>11/7/2020</a:t>
+              <a:t>11/23/2020</a:t>
             </a:fld>
             <a:endParaRPr lang="en-US"/>
           </a:p>
@@ -968,7 +845,11 @@
           <a:p>
             <a:r>
               <a:rPr lang="en-US" dirty="0"/>
-              <a:t>Specify pins better </a:t>
+              <a:t>Specify </a:t>
+            </a:r>
+            <a:r>
+              <a:rPr lang="en-US"/>
+              <a:t>pins better </a:t>
             </a:r>
           </a:p>
           <a:p>
@@ -993,7 +874,7 @@
           <a:p>
             <a:fld id="{82869989-EB00-4EE7-BCB5-25BDC5BB29F8}" type="slidenum">
               <a:rPr lang="en-US" smtClean="0"/>
-              <a:t>5</a:t>
+              <a:t>4</a:t>
             </a:fld>
             <a:endParaRPr lang="en-US"/>
           </a:p>
@@ -1109,7 +990,7 @@
           <a:p>
             <a:fld id="{82869989-EB00-4EE7-BCB5-25BDC5BB29F8}" type="slidenum">
               <a:rPr lang="en-US" smtClean="0"/>
-              <a:t>6</a:t>
+              <a:t>5</a:t>
             </a:fld>
             <a:endParaRPr lang="en-US"/>
           </a:p>
@@ -3269,7 +3150,7 @@
           <a:p>
             <a:fld id="{384A29A4-78C8-47AB-BA06-22CB45938951}" type="datetime1">
               <a:rPr lang="en-US" smtClean="0"/>
-              <a:t>11/7/2020</a:t>
+              <a:t>11/23/2020</a:t>
             </a:fld>
             <a:endParaRPr lang="en-US"/>
           </a:p>
@@ -3464,7 +3345,7 @@
           <a:p>
             <a:fld id="{E1ED4ACF-2D82-46F2-A8E9-23963AA34E86}" type="datetime1">
               <a:rPr lang="en-US" smtClean="0"/>
-              <a:t>11/7/2020</a:t>
+              <a:t>11/23/2020</a:t>
             </a:fld>
             <a:endParaRPr lang="en-US"/>
           </a:p>
@@ -3658,7 +3539,7 @@
           <a:p>
             <a:fld id="{AE374B5B-21A0-4192-BF4C-38187F1A68D8}" type="datetime1">
               <a:rPr lang="en-US" smtClean="0"/>
-              <a:t>11/7/2020</a:t>
+              <a:t>11/23/2020</a:t>
             </a:fld>
             <a:endParaRPr lang="en-US"/>
           </a:p>
@@ -5999,7 +5880,7 @@
           <a:p>
             <a:fld id="{33B5CF7C-B333-48E1-A4A6-83A3C8B73AC0}" type="datetime1">
               <a:rPr lang="en-US" smtClean="0"/>
-              <a:t>11/7/2020</a:t>
+              <a:t>11/23/2020</a:t>
             </a:fld>
             <a:endParaRPr lang="en-US"/>
           </a:p>
@@ -6452,7 +6333,7 @@
           <a:p>
             <a:fld id="{AE320762-5CBF-4210-AB54-376B091119F8}" type="datetime1">
               <a:rPr lang="en-US" smtClean="0"/>
-              <a:t>11/7/2020</a:t>
+              <a:t>11/23/2020</a:t>
             </a:fld>
             <a:endParaRPr lang="en-US"/>
           </a:p>
@@ -6584,7 +6465,7 @@
           <a:p>
             <a:fld id="{7F0DB371-BF5F-4058-A212-1A908E4D2674}" type="datetime1">
               <a:rPr lang="en-US" smtClean="0"/>
-              <a:t>11/7/2020</a:t>
+              <a:t>11/23/2020</a:t>
             </a:fld>
             <a:endParaRPr lang="en-US"/>
           </a:p>
@@ -8517,7 +8398,7 @@
           <a:p>
             <a:fld id="{60A4083B-90AA-48CF-BAD5-00AA24D7F288}" type="datetime1">
               <a:rPr lang="en-US" smtClean="0"/>
-              <a:t>11/7/2020</a:t>
+              <a:t>11/23/2020</a:t>
             </a:fld>
             <a:endParaRPr lang="en-US"/>
           </a:p>
@@ -10776,7 +10657,7 @@
             <a:fld id="{F5BAF629-ECA2-4CF3-B790-9D9BDED98269}" type="datetime1">
               <a:rPr lang="en-US" smtClean="0"/>
               <a:pPr/>
-              <a:t>11/7/2020</a:t>
+              <a:t>11/23/2020</a:t>
             </a:fld>
             <a:endParaRPr lang="en-US"/>
           </a:p>
@@ -15071,7 +14952,7 @@
             <a:fld id="{B51B2453-8663-4C69-AF73-9FD7B1DEC5D0}" type="datetime1">
               <a:rPr lang="en-US" smtClean="0"/>
               <a:pPr/>
-              <a:t>11/7/2020</a:t>
+              <a:t>11/23/2020</a:t>
             </a:fld>
             <a:endParaRPr lang="en-US" dirty="0"/>
           </a:p>
@@ -15560,7 +15441,7 @@
             </a:br>
             <a:r>
               <a:rPr lang="en-US" sz="6000" dirty="0"/>
-              <a:t>Guitar Auto-tuner Proposal</a:t>
+              <a:t>Motorized Guitar Tuner</a:t>
             </a:r>
             <a:endParaRPr lang="en-US" dirty="0"/>
           </a:p>
@@ -15692,13 +15573,13 @@
           <a:p>
             <a:r>
               <a:rPr lang="en-US" dirty="0"/>
-              <a:t>Like any string instrument, guitars go out of tune. Tuning is an arduous task. A user will play the string and rotate tuners until the strings vibrate at the correct frequency. However, the issue with this process is that tuners can be inconsistent. It would be nice to click a button and have a device turn the tuners for you. </a:t>
+              <a:t>Like any string instrument, guitars go out of tune. Tuning in itself is not an arduous task. A user will play the string and rotate tuners until the strings vibrate at the correct frequency. However, the issue with this process is finding the right pitch and rotating the tuners. It would be nice to have a device to play the desired frequency and allow a user to tune with a motorized device.</a:t>
             </a:r>
           </a:p>
           <a:p>
             <a:r>
               <a:rPr lang="en-US" dirty="0"/>
-              <a:t>My proposal is for a handheld servo-run device which will listen to the frequency of a string, display the string’s frequency, and have buttons to rotate the servo allowing an user to </a:t>
+              <a:t>My proposal is for a handheld servo-run device which will listen to the of a string and allow a user to rotate the guitar tuners to achieve the desired pitch. </a:t>
             </a:r>
           </a:p>
         </p:txBody>
@@ -15725,8 +15606,8 @@
         </p:blipFill>
         <p:spPr>
           <a:xfrm>
-            <a:off x="914400" y="3311850"/>
-            <a:ext cx="4975893" cy="2842673"/>
+            <a:off x="914400" y="3777734"/>
+            <a:ext cx="4160397" cy="2376789"/>
           </a:xfrm>
           <a:prstGeom prst="rect">
             <a:avLst/>
@@ -15833,203 +15714,6 @@
 </file>
 
 <file path=ppt/slides/slide3.xml><?xml version="1.0" encoding="utf-8"?>
-<p:sld xmlns:a="http://schemas.openxmlformats.org/drawingml/2006/main" xmlns:r="http://schemas.openxmlformats.org/officeDocument/2006/relationships" xmlns:p="http://schemas.openxmlformats.org/presentationml/2006/main">
-  <p:cSld>
-    <p:spTree>
-      <p:nvGrpSpPr>
-        <p:cNvPr id="1" name=""/>
-        <p:cNvGrpSpPr/>
-        <p:nvPr/>
-      </p:nvGrpSpPr>
-      <p:grpSpPr>
-        <a:xfrm>
-          <a:off x="0" y="0"/>
-          <a:ext cx="0" cy="0"/>
-          <a:chOff x="0" y="0"/>
-          <a:chExt cx="0" cy="0"/>
-        </a:xfrm>
-      </p:grpSpPr>
-      <p:sp>
-        <p:nvSpPr>
-          <p:cNvPr id="2" name="Title 1">
-            <a:extLst>
-              <a:ext uri="{FF2B5EF4-FFF2-40B4-BE49-F238E27FC236}">
-                <a16:creationId xmlns:a16="http://schemas.microsoft.com/office/drawing/2014/main" id="{C03860C3-F84A-4D27-A17C-3F4963C0D887}"/>
-              </a:ext>
-            </a:extLst>
-          </p:cNvPr>
-          <p:cNvSpPr>
-            <a:spLocks noGrp="1"/>
-          </p:cNvSpPr>
-          <p:nvPr>
-            <p:ph type="title"/>
-          </p:nvPr>
-        </p:nvSpPr>
-        <p:spPr/>
-        <p:txBody>
-          <a:bodyPr/>
-          <a:lstStyle/>
-          <a:p>
-            <a:r>
-              <a:rPr lang="en-US" dirty="0"/>
-              <a:t>How this works </a:t>
-            </a:r>
-          </a:p>
-        </p:txBody>
-      </p:sp>
-      <p:sp>
-        <p:nvSpPr>
-          <p:cNvPr id="3" name="Content Placeholder 2">
-            <a:extLst>
-              <a:ext uri="{FF2B5EF4-FFF2-40B4-BE49-F238E27FC236}">
-                <a16:creationId xmlns:a16="http://schemas.microsoft.com/office/drawing/2014/main" id="{F912D300-4FEB-4735-9DA5-47E8F71CB0E8}"/>
-              </a:ext>
-            </a:extLst>
-          </p:cNvPr>
-          <p:cNvSpPr>
-            <a:spLocks noGrp="1"/>
-          </p:cNvSpPr>
-          <p:nvPr>
-            <p:ph idx="1"/>
-          </p:nvPr>
-        </p:nvSpPr>
-        <p:spPr/>
-        <p:txBody>
-          <a:bodyPr/>
-          <a:lstStyle/>
-          <a:p>
-            <a:endParaRPr lang="en-US"/>
-          </a:p>
-        </p:txBody>
-      </p:sp>
-      <p:sp>
-        <p:nvSpPr>
-          <p:cNvPr id="4" name="Rectangle 3">
-            <a:extLst>
-              <a:ext uri="{FF2B5EF4-FFF2-40B4-BE49-F238E27FC236}">
-                <a16:creationId xmlns:a16="http://schemas.microsoft.com/office/drawing/2014/main" id="{3AF4548A-EA91-4334-A429-498F4D4BE86E}"/>
-              </a:ext>
-            </a:extLst>
-          </p:cNvPr>
-          <p:cNvSpPr/>
-          <p:nvPr/>
-        </p:nvSpPr>
-        <p:spPr>
-          <a:xfrm>
-            <a:off x="876300" y="1733550"/>
-            <a:ext cx="1562100" cy="1143000"/>
-          </a:xfrm>
-          <a:prstGeom prst="rect">
-            <a:avLst/>
-          </a:prstGeom>
-        </p:spPr>
-        <p:style>
-          <a:lnRef idx="2">
-            <a:schemeClr val="accent1">
-              <a:shade val="50000"/>
-            </a:schemeClr>
-          </a:lnRef>
-          <a:fillRef idx="1">
-            <a:schemeClr val="accent1"/>
-          </a:fillRef>
-          <a:effectRef idx="0">
-            <a:schemeClr val="accent1"/>
-          </a:effectRef>
-          <a:fontRef idx="minor">
-            <a:schemeClr val="lt1"/>
-          </a:fontRef>
-        </p:style>
-        <p:txBody>
-          <a:bodyPr rtlCol="0" anchor="ctr"/>
-          <a:lstStyle/>
-          <a:p>
-            <a:pPr algn="ctr"/>
-            <a:r>
-              <a:rPr lang="en-US" dirty="0"/>
-              <a:t>Sound input</a:t>
-            </a:r>
-          </a:p>
-        </p:txBody>
-      </p:sp>
-      <p:sp>
-        <p:nvSpPr>
-          <p:cNvPr id="5" name="Rectangle 4">
-            <a:extLst>
-              <a:ext uri="{FF2B5EF4-FFF2-40B4-BE49-F238E27FC236}">
-                <a16:creationId xmlns:a16="http://schemas.microsoft.com/office/drawing/2014/main" id="{079927DC-78F4-4E7A-A424-4555778E99F1}"/>
-              </a:ext>
-            </a:extLst>
-          </p:cNvPr>
-          <p:cNvSpPr/>
-          <p:nvPr/>
-        </p:nvSpPr>
-        <p:spPr>
-          <a:xfrm>
-            <a:off x="2933700" y="1638300"/>
-            <a:ext cx="1714500" cy="1333500"/>
-          </a:xfrm>
-          <a:prstGeom prst="rect">
-            <a:avLst/>
-          </a:prstGeom>
-        </p:spPr>
-        <p:style>
-          <a:lnRef idx="2">
-            <a:schemeClr val="accent1">
-              <a:shade val="50000"/>
-            </a:schemeClr>
-          </a:lnRef>
-          <a:fillRef idx="1">
-            <a:schemeClr val="accent1"/>
-          </a:fillRef>
-          <a:effectRef idx="0">
-            <a:schemeClr val="accent1"/>
-          </a:effectRef>
-          <a:fontRef idx="minor">
-            <a:schemeClr val="lt1"/>
-          </a:fontRef>
-        </p:style>
-        <p:txBody>
-          <a:bodyPr rtlCol="0" anchor="ctr"/>
-          <a:lstStyle/>
-          <a:p>
-            <a:pPr algn="ctr"/>
-            <a:r>
-              <a:rPr lang="en-US" dirty="0"/>
-              <a:t>Display note on </a:t>
-            </a:r>
-            <a:r>
-              <a:rPr lang="en-US"/>
-              <a:t>the screen </a:t>
-            </a:r>
-          </a:p>
-        </p:txBody>
-      </p:sp>
-    </p:spTree>
-    <p:extLst>
-      <p:ext uri="{BB962C8B-B14F-4D97-AF65-F5344CB8AC3E}">
-        <p14:creationId xmlns:p14="http://schemas.microsoft.com/office/powerpoint/2010/main" val="3595686842"/>
-      </p:ext>
-    </p:extLst>
-  </p:cSld>
-  <p:clrMapOvr>
-    <a:masterClrMapping/>
-  </p:clrMapOvr>
-  <mc:AlternateContent xmlns:mc="http://schemas.openxmlformats.org/markup-compatibility/2006" xmlns:p14="http://schemas.microsoft.com/office/powerpoint/2010/main">
-    <mc:Choice Requires="p14">
-      <p:transition spd="med" p14:dur="700">
-        <p:fade/>
-      </p:transition>
-    </mc:Choice>
-    <mc:Fallback xmlns="">
-      <p:transition spd="med">
-        <p:fade/>
-      </p:transition>
-    </mc:Fallback>
-  </mc:AlternateContent>
-</p:sld>
-</file>
-
-<file path=ppt/slides/slide4.xml><?xml version="1.0" encoding="utf-8"?>
 <p:sld xmlns:a="http://schemas.openxmlformats.org/drawingml/2006/main" xmlns:r="http://schemas.openxmlformats.org/officeDocument/2006/relationships" xmlns:p="http://schemas.openxmlformats.org/presentationml/2006/main">
   <p:cSld>
     <p:spTree>
@@ -16180,8 +15864,8 @@
         </p:nvSpPr>
         <p:spPr>
           <a:xfrm>
-            <a:off x="6486425" y="1074166"/>
-            <a:ext cx="952500" cy="647701"/>
+            <a:off x="6096000" y="1074166"/>
+            <a:ext cx="1342925" cy="647701"/>
           </a:xfrm>
           <a:prstGeom prst="roundRect">
             <a:avLst/>
@@ -16214,9 +15898,10 @@
           <a:lstStyle/>
           <a:p>
             <a:r>
-              <a:rPr lang="en-US" b="1" dirty="0"/>
-              <a:t>MAX9814 </a:t>
+              <a:rPr lang="en-US" b="1" dirty="0" err="1"/>
+              <a:t>Potentimeter</a:t>
             </a:r>
+            <a:endParaRPr lang="en-US" b="1" dirty="0"/>
           </a:p>
         </p:txBody>
       </p:sp>
@@ -16269,7 +15954,7 @@
           <a:p>
             <a:r>
               <a:rPr lang="en-US" b="1" dirty="0"/>
-              <a:t>Feedback 360</a:t>
+              <a:t>360 Servo </a:t>
             </a:r>
           </a:p>
         </p:txBody>
@@ -16397,7 +16082,7 @@
         <p:spPr>
           <a:xfrm>
             <a:off x="8048713" y="2566016"/>
-            <a:ext cx="942887" cy="276999"/>
+            <a:ext cx="763351" cy="276999"/>
           </a:xfrm>
           <a:prstGeom prst="rect">
             <a:avLst/>
@@ -16411,20 +16096,12 @@
           <a:lstStyle/>
           <a:p>
             <a:r>
-              <a:rPr lang="en-US" sz="1200" dirty="0" err="1">
-                <a:solidFill>
-                  <a:schemeClr val="bg1"/>
-                </a:solidFill>
-              </a:rPr>
-              <a:t>Gpio</a:t>
-            </a:r>
-            <a:r>
               <a:rPr lang="en-US" sz="1200" dirty="0">
                 <a:solidFill>
                   <a:schemeClr val="bg1"/>
                 </a:solidFill>
               </a:rPr>
-              <a:t> 59-57</a:t>
+              <a:t>P2_9-13</a:t>
             </a:r>
           </a:p>
         </p:txBody>
@@ -16480,7 +16157,7 @@
         <p:spPr>
           <a:xfrm>
             <a:off x="8159320" y="3013682"/>
-            <a:ext cx="721672" cy="276999"/>
+            <a:ext cx="542136" cy="276999"/>
           </a:xfrm>
           <a:prstGeom prst="rect">
             <a:avLst/>
@@ -16494,20 +16171,12 @@
           <a:lstStyle/>
           <a:p>
             <a:r>
-              <a:rPr lang="en-US" sz="1200" dirty="0" err="1">
-                <a:solidFill>
-                  <a:schemeClr val="bg1"/>
-                </a:solidFill>
-              </a:rPr>
-              <a:t>Gpio</a:t>
-            </a:r>
-            <a:r>
               <a:rPr lang="en-US" sz="1200" dirty="0">
                 <a:solidFill>
                   <a:schemeClr val="bg1"/>
                 </a:solidFill>
               </a:rPr>
-              <a:t> 60</a:t>
+              <a:t>P2_2</a:t>
             </a:r>
           </a:p>
         </p:txBody>
@@ -16565,7 +16234,7 @@
         <p:spPr>
           <a:xfrm>
             <a:off x="7216434" y="2519806"/>
-            <a:ext cx="721672" cy="276999"/>
+            <a:ext cx="542136" cy="276999"/>
           </a:xfrm>
           <a:prstGeom prst="rect">
             <a:avLst/>
@@ -16579,20 +16248,12 @@
           <a:lstStyle/>
           <a:p>
             <a:r>
-              <a:rPr lang="en-US" sz="1200" dirty="0" err="1">
-                <a:solidFill>
-                  <a:schemeClr val="bg1"/>
-                </a:solidFill>
-              </a:rPr>
-              <a:t>Gpio</a:t>
-            </a:r>
-            <a:r>
               <a:rPr lang="en-US" sz="1200" dirty="0">
                 <a:solidFill>
                   <a:schemeClr val="bg1"/>
                 </a:solidFill>
               </a:rPr>
-              <a:t> 52</a:t>
+              <a:t>P2_1</a:t>
             </a:r>
           </a:p>
         </p:txBody>
@@ -16614,8 +16275,8 @@
         </p:nvCxnSpPr>
         <p:spPr>
           <a:xfrm flipH="1">
-            <a:off x="7577270" y="1838720"/>
-            <a:ext cx="811308" cy="681086"/>
+            <a:off x="7487502" y="1838720"/>
+            <a:ext cx="901076" cy="681086"/>
           </a:xfrm>
           <a:prstGeom prst="line">
             <a:avLst/>
@@ -16693,14 +16354,15 @@
             </a:extLst>
           </p:cNvPr>
           <p:cNvCxnSpPr>
-            <a:stCxn id="4" idx="1"/>
+            <a:cxnSpLocks/>
+            <a:stCxn id="24" idx="1"/>
           </p:cNvCxnSpPr>
           <p:nvPr/>
         </p:nvCxnSpPr>
         <p:spPr>
           <a:xfrm rot="10800000">
-            <a:off x="6486426" y="1721868"/>
-            <a:ext cx="371575" cy="2188589"/>
+            <a:off x="6486430" y="1721869"/>
+            <a:ext cx="371571" cy="1840778"/>
           </a:xfrm>
           <a:prstGeom prst="bentConnector2">
             <a:avLst/>
@@ -16760,6 +16422,269 @@
           </a:p>
         </p:txBody>
       </p:sp>
+      <p:sp>
+        <p:nvSpPr>
+          <p:cNvPr id="6" name="Rectangle: Rounded Corners 5">
+            <a:extLst>
+              <a:ext uri="{FF2B5EF4-FFF2-40B4-BE49-F238E27FC236}">
+                <a16:creationId xmlns:a16="http://schemas.microsoft.com/office/drawing/2014/main" id="{E9CAD04C-6007-4216-8FEB-2BC4AF8FB290}"/>
+              </a:ext>
+            </a:extLst>
+          </p:cNvPr>
+          <p:cNvSpPr/>
+          <p:nvPr/>
+        </p:nvSpPr>
+        <p:spPr>
+          <a:xfrm>
+            <a:off x="9410700" y="3012699"/>
+            <a:ext cx="1177369" cy="781050"/>
+          </a:xfrm>
+          <a:prstGeom prst="roundRect">
+            <a:avLst/>
+          </a:prstGeom>
+          <a:solidFill>
+            <a:schemeClr val="tx1">
+              <a:lumMod val="65000"/>
+              <a:lumOff val="35000"/>
+            </a:schemeClr>
+          </a:solidFill>
+        </p:spPr>
+        <p:style>
+          <a:lnRef idx="2">
+            <a:schemeClr val="accent1">
+              <a:shade val="50000"/>
+            </a:schemeClr>
+          </a:lnRef>
+          <a:fillRef idx="1">
+            <a:schemeClr val="accent1"/>
+          </a:fillRef>
+          <a:effectRef idx="0">
+            <a:schemeClr val="accent1"/>
+          </a:effectRef>
+          <a:fontRef idx="minor">
+            <a:schemeClr val="lt1"/>
+          </a:fontRef>
+        </p:style>
+        <p:txBody>
+          <a:bodyPr rtlCol="0" anchor="ctr"/>
+          <a:lstStyle/>
+          <a:p>
+            <a:r>
+              <a:rPr lang="en-US" b="1" dirty="0"/>
+              <a:t>Button</a:t>
+            </a:r>
+          </a:p>
+        </p:txBody>
+      </p:sp>
+      <p:sp>
+        <p:nvSpPr>
+          <p:cNvPr id="10" name="Rectangle: Rounded Corners 9">
+            <a:extLst>
+              <a:ext uri="{FF2B5EF4-FFF2-40B4-BE49-F238E27FC236}">
+                <a16:creationId xmlns:a16="http://schemas.microsoft.com/office/drawing/2014/main" id="{FBDDD057-18E9-4193-8E03-A3DEB2D9D641}"/>
+              </a:ext>
+            </a:extLst>
+          </p:cNvPr>
+          <p:cNvSpPr/>
+          <p:nvPr/>
+        </p:nvSpPr>
+        <p:spPr>
+          <a:xfrm>
+            <a:off x="9338231" y="3963433"/>
+            <a:ext cx="1177369" cy="781050"/>
+          </a:xfrm>
+          <a:prstGeom prst="roundRect">
+            <a:avLst/>
+          </a:prstGeom>
+          <a:solidFill>
+            <a:schemeClr val="tx1">
+              <a:lumMod val="65000"/>
+              <a:lumOff val="35000"/>
+            </a:schemeClr>
+          </a:solidFill>
+        </p:spPr>
+        <p:style>
+          <a:lnRef idx="2">
+            <a:schemeClr val="accent1">
+              <a:shade val="50000"/>
+            </a:schemeClr>
+          </a:lnRef>
+          <a:fillRef idx="1">
+            <a:schemeClr val="accent1"/>
+          </a:fillRef>
+          <a:effectRef idx="0">
+            <a:schemeClr val="accent1"/>
+          </a:effectRef>
+          <a:fontRef idx="minor">
+            <a:schemeClr val="lt1"/>
+          </a:fontRef>
+        </p:style>
+        <p:txBody>
+          <a:bodyPr rtlCol="0" anchor="ctr"/>
+          <a:lstStyle/>
+          <a:p>
+            <a:r>
+              <a:rPr lang="en-US" b="1" dirty="0"/>
+              <a:t>Buzzer</a:t>
+            </a:r>
+          </a:p>
+        </p:txBody>
+      </p:sp>
+      <p:sp>
+        <p:nvSpPr>
+          <p:cNvPr id="13" name="TextBox 12">
+            <a:extLst>
+              <a:ext uri="{FF2B5EF4-FFF2-40B4-BE49-F238E27FC236}">
+                <a16:creationId xmlns:a16="http://schemas.microsoft.com/office/drawing/2014/main" id="{BA4038CF-75E3-4CA3-B1B9-3ED8ABB19ABF}"/>
+              </a:ext>
+            </a:extLst>
+          </p:cNvPr>
+          <p:cNvSpPr txBox="1"/>
+          <p:nvPr/>
+        </p:nvSpPr>
+        <p:spPr>
+          <a:xfrm>
+            <a:off x="8174823" y="3290681"/>
+            <a:ext cx="542136" cy="276999"/>
+          </a:xfrm>
+          <a:prstGeom prst="rect">
+            <a:avLst/>
+          </a:prstGeom>
+          <a:noFill/>
+        </p:spPr>
+        <p:txBody>
+          <a:bodyPr wrap="none" rtlCol="0">
+            <a:spAutoFit/>
+          </a:bodyPr>
+          <a:lstStyle/>
+          <a:p>
+            <a:r>
+              <a:rPr lang="en-US" sz="1200" dirty="0">
+                <a:solidFill>
+                  <a:schemeClr val="bg1"/>
+                </a:solidFill>
+              </a:rPr>
+              <a:t>P2_4</a:t>
+            </a:r>
+          </a:p>
+        </p:txBody>
+      </p:sp>
+      <p:sp>
+        <p:nvSpPr>
+          <p:cNvPr id="15" name="TextBox 14">
+            <a:extLst>
+              <a:ext uri="{FF2B5EF4-FFF2-40B4-BE49-F238E27FC236}">
+                <a16:creationId xmlns:a16="http://schemas.microsoft.com/office/drawing/2014/main" id="{FFC118FA-6246-4798-9771-2A8BF24EB583}"/>
+              </a:ext>
+            </a:extLst>
+          </p:cNvPr>
+          <p:cNvSpPr txBox="1"/>
+          <p:nvPr/>
+        </p:nvSpPr>
+        <p:spPr>
+          <a:xfrm>
+            <a:off x="8482462" y="4279629"/>
+            <a:ext cx="542136" cy="276999"/>
+          </a:xfrm>
+          <a:prstGeom prst="rect">
+            <a:avLst/>
+          </a:prstGeom>
+          <a:noFill/>
+        </p:spPr>
+        <p:txBody>
+          <a:bodyPr wrap="none" rtlCol="0">
+            <a:spAutoFit/>
+          </a:bodyPr>
+          <a:lstStyle/>
+          <a:p>
+            <a:r>
+              <a:rPr lang="en-US" sz="1200" dirty="0">
+                <a:solidFill>
+                  <a:schemeClr val="bg1"/>
+                </a:solidFill>
+              </a:rPr>
+              <a:t>P2_3</a:t>
+            </a:r>
+          </a:p>
+        </p:txBody>
+      </p:sp>
+      <p:cxnSp>
+        <p:nvCxnSpPr>
+          <p:cNvPr id="27" name="Straight Connector 26">
+            <a:extLst>
+              <a:ext uri="{FF2B5EF4-FFF2-40B4-BE49-F238E27FC236}">
+                <a16:creationId xmlns:a16="http://schemas.microsoft.com/office/drawing/2014/main" id="{8C1D64A5-EE41-432E-ADC9-F3D643876D7E}"/>
+              </a:ext>
+            </a:extLst>
+          </p:cNvPr>
+          <p:cNvCxnSpPr>
+            <a:cxnSpLocks/>
+            <a:stCxn id="6" idx="1"/>
+          </p:cNvCxnSpPr>
+          <p:nvPr/>
+        </p:nvCxnSpPr>
+        <p:spPr>
+          <a:xfrm flipH="1">
+            <a:off x="9004574" y="3403224"/>
+            <a:ext cx="406126" cy="110055"/>
+          </a:xfrm>
+          <a:prstGeom prst="line">
+            <a:avLst/>
+          </a:prstGeom>
+        </p:spPr>
+        <p:style>
+          <a:lnRef idx="1">
+            <a:schemeClr val="accent1"/>
+          </a:lnRef>
+          <a:fillRef idx="0">
+            <a:schemeClr val="accent1"/>
+          </a:fillRef>
+          <a:effectRef idx="0">
+            <a:schemeClr val="accent1"/>
+          </a:effectRef>
+          <a:fontRef idx="minor">
+            <a:schemeClr val="tx1"/>
+          </a:fontRef>
+        </p:style>
+      </p:cxnSp>
+      <p:cxnSp>
+        <p:nvCxnSpPr>
+          <p:cNvPr id="30" name="Straight Connector 29">
+            <a:extLst>
+              <a:ext uri="{FF2B5EF4-FFF2-40B4-BE49-F238E27FC236}">
+                <a16:creationId xmlns:a16="http://schemas.microsoft.com/office/drawing/2014/main" id="{5CEAFAB6-054D-40AB-B05C-954E1E183731}"/>
+              </a:ext>
+            </a:extLst>
+          </p:cNvPr>
+          <p:cNvCxnSpPr>
+            <a:cxnSpLocks/>
+          </p:cNvCxnSpPr>
+          <p:nvPr/>
+        </p:nvCxnSpPr>
+        <p:spPr>
+          <a:xfrm flipH="1">
+            <a:off x="8930393" y="4363100"/>
+            <a:ext cx="406126" cy="110055"/>
+          </a:xfrm>
+          <a:prstGeom prst="line">
+            <a:avLst/>
+          </a:prstGeom>
+        </p:spPr>
+        <p:style>
+          <a:lnRef idx="1">
+            <a:schemeClr val="accent1"/>
+          </a:lnRef>
+          <a:fillRef idx="0">
+            <a:schemeClr val="accent1"/>
+          </a:fillRef>
+          <a:effectRef idx="0">
+            <a:schemeClr val="accent1"/>
+          </a:effectRef>
+          <a:fontRef idx="minor">
+            <a:schemeClr val="tx1"/>
+          </a:fontRef>
+        </p:style>
+      </p:cxnSp>
     </p:spTree>
     <p:extLst>
       <p:ext uri="{BB962C8B-B14F-4D97-AF65-F5344CB8AC3E}">
@@ -16785,7 +16710,7 @@
 </p:sld>
 </file>
 
-<file path=ppt/slides/slide5.xml><?xml version="1.0" encoding="utf-8"?>
+<file path=ppt/slides/slide4.xml><?xml version="1.0" encoding="utf-8"?>
 <p:sld xmlns:a="http://schemas.openxmlformats.org/drawingml/2006/main" xmlns:r="http://schemas.openxmlformats.org/officeDocument/2006/relationships" xmlns:p="http://schemas.openxmlformats.org/presentationml/2006/main">
   <p:cSld>
     <p:spTree>
@@ -16870,10 +16795,10 @@
       </p:sp>
       <p:sp>
         <p:nvSpPr>
-          <p:cNvPr id="17" name="Rectangle: Rounded Corners 16">
+          <p:cNvPr id="58" name="Rectangle: Rounded Corners 57">
             <a:extLst>
               <a:ext uri="{FF2B5EF4-FFF2-40B4-BE49-F238E27FC236}">
-                <a16:creationId xmlns:a16="http://schemas.microsoft.com/office/drawing/2014/main" id="{3114BE45-B15E-432D-95BE-984A9B8EC9D1}"/>
+                <a16:creationId xmlns:a16="http://schemas.microsoft.com/office/drawing/2014/main" id="{ACB128DB-FBD3-42FA-B4BE-9483953F6649}"/>
               </a:ext>
             </a:extLst>
           </p:cNvPr>
@@ -16882,7 +16807,7 @@
         </p:nvSpPr>
         <p:spPr>
           <a:xfrm>
-            <a:off x="6629400" y="2971800"/>
+            <a:off x="6858000" y="2519806"/>
             <a:ext cx="2133600" cy="2781300"/>
           </a:xfrm>
           <a:prstGeom prst="roundRect">
@@ -16920,10 +16845,10 @@
       </p:sp>
       <p:sp>
         <p:nvSpPr>
-          <p:cNvPr id="18" name="Rectangle: Rounded Corners 17">
+          <p:cNvPr id="59" name="Rectangle: Rounded Corners 58">
             <a:extLst>
               <a:ext uri="{FF2B5EF4-FFF2-40B4-BE49-F238E27FC236}">
-                <a16:creationId xmlns:a16="http://schemas.microsoft.com/office/drawing/2014/main" id="{A20D6E70-A2E9-4134-860F-62D75173D05E}"/>
+                <a16:creationId xmlns:a16="http://schemas.microsoft.com/office/drawing/2014/main" id="{3241D6F7-4115-4CC4-A883-4E1BA3AF3316}"/>
               </a:ext>
             </a:extLst>
           </p:cNvPr>
@@ -16932,8 +16857,8 @@
         </p:nvSpPr>
         <p:spPr>
           <a:xfrm>
-            <a:off x="6257825" y="1526160"/>
-            <a:ext cx="952500" cy="647701"/>
+            <a:off x="6096000" y="1074166"/>
+            <a:ext cx="1342925" cy="647701"/>
           </a:xfrm>
           <a:prstGeom prst="roundRect">
             <a:avLst/>
@@ -16966,18 +16891,19 @@
           <a:lstStyle/>
           <a:p>
             <a:r>
-              <a:rPr lang="en-US" b="1" dirty="0"/>
-              <a:t>MAX9814 </a:t>
+              <a:rPr lang="en-US" b="1" dirty="0" err="1"/>
+              <a:t>Potentimeter</a:t>
             </a:r>
+            <a:endParaRPr lang="en-US" b="1" dirty="0"/>
           </a:p>
         </p:txBody>
       </p:sp>
       <p:sp>
         <p:nvSpPr>
-          <p:cNvPr id="19" name="Rectangle: Rounded Corners 18">
+          <p:cNvPr id="60" name="Rectangle: Rounded Corners 59">
             <a:extLst>
               <a:ext uri="{FF2B5EF4-FFF2-40B4-BE49-F238E27FC236}">
-                <a16:creationId xmlns:a16="http://schemas.microsoft.com/office/drawing/2014/main" id="{95D402EB-239E-4463-82C4-D26B2CCF4DCB}"/>
+                <a16:creationId xmlns:a16="http://schemas.microsoft.com/office/drawing/2014/main" id="{83ED146F-D4C5-478B-88F8-D421E03B4B8E}"/>
               </a:ext>
             </a:extLst>
           </p:cNvPr>
@@ -16986,7 +16912,7 @@
         </p:nvSpPr>
         <p:spPr>
           <a:xfrm>
-            <a:off x="7397978" y="1509664"/>
+            <a:off x="7626578" y="1057670"/>
             <a:ext cx="1524000" cy="781050"/>
           </a:xfrm>
           <a:prstGeom prst="roundRect">
@@ -17021,17 +16947,17 @@
           <a:p>
             <a:r>
               <a:rPr lang="en-US" b="1" dirty="0"/>
-              <a:t>Feedback 360</a:t>
+              <a:t>360 Servo </a:t>
             </a:r>
           </a:p>
         </p:txBody>
       </p:sp>
       <p:sp>
         <p:nvSpPr>
-          <p:cNvPr id="20" name="Rectangle: Rounded Corners 19">
+          <p:cNvPr id="61" name="Rectangle: Rounded Corners 60">
             <a:extLst>
               <a:ext uri="{FF2B5EF4-FFF2-40B4-BE49-F238E27FC236}">
-                <a16:creationId xmlns:a16="http://schemas.microsoft.com/office/drawing/2014/main" id="{5FECE65C-54F6-4D8A-A837-C5C7539824E5}"/>
+                <a16:creationId xmlns:a16="http://schemas.microsoft.com/office/drawing/2014/main" id="{4F96BB7B-B13F-47B6-ADC7-9F6ACACB42F9}"/>
               </a:ext>
             </a:extLst>
           </p:cNvPr>
@@ -17040,7 +16966,7 @@
         </p:nvSpPr>
         <p:spPr>
           <a:xfrm>
-            <a:off x="9109631" y="1509664"/>
+            <a:off x="9338231" y="1057670"/>
             <a:ext cx="1177369" cy="781050"/>
           </a:xfrm>
           <a:prstGeom prst="roundRect">
@@ -17082,10 +17008,10 @@
       </p:sp>
       <p:sp>
         <p:nvSpPr>
-          <p:cNvPr id="21" name="Rectangle: Rounded Corners 20">
+          <p:cNvPr id="62" name="Rectangle: Rounded Corners 61">
             <a:extLst>
               <a:ext uri="{FF2B5EF4-FFF2-40B4-BE49-F238E27FC236}">
-                <a16:creationId xmlns:a16="http://schemas.microsoft.com/office/drawing/2014/main" id="{1A92AA27-2C14-4A26-9034-F2122BF11A6C}"/>
+                <a16:creationId xmlns:a16="http://schemas.microsoft.com/office/drawing/2014/main" id="{917B1F51-4C3F-4B50-B2D2-2737E51450F4}"/>
               </a:ext>
             </a:extLst>
           </p:cNvPr>
@@ -17094,7 +17020,7 @@
         </p:nvSpPr>
         <p:spPr>
           <a:xfrm>
-            <a:off x="9182100" y="2513959"/>
+            <a:off x="9410700" y="2061965"/>
             <a:ext cx="1177369" cy="781050"/>
           </a:xfrm>
           <a:prstGeom prst="roundRect">
@@ -17136,10 +17062,10 @@
       </p:sp>
       <p:sp>
         <p:nvSpPr>
-          <p:cNvPr id="22" name="TextBox 21">
+          <p:cNvPr id="63" name="TextBox 62">
             <a:extLst>
               <a:ext uri="{FF2B5EF4-FFF2-40B4-BE49-F238E27FC236}">
-                <a16:creationId xmlns:a16="http://schemas.microsoft.com/office/drawing/2014/main" id="{A8DDBABB-E57B-4081-9A29-44CFE6ECF3D2}"/>
+                <a16:creationId xmlns:a16="http://schemas.microsoft.com/office/drawing/2014/main" id="{9F132BE2-B0B0-405C-AF44-7CD75888E699}"/>
               </a:ext>
             </a:extLst>
           </p:cNvPr>
@@ -17148,8 +17074,8 @@
         </p:nvSpPr>
         <p:spPr>
           <a:xfrm>
-            <a:off x="7820113" y="3018010"/>
-            <a:ext cx="942887" cy="276999"/>
+            <a:off x="8048713" y="2566016"/>
+            <a:ext cx="763351" cy="276999"/>
           </a:xfrm>
           <a:prstGeom prst="rect">
             <a:avLst/>
@@ -17163,30 +17089,22 @@
           <a:lstStyle/>
           <a:p>
             <a:r>
-              <a:rPr lang="en-US" sz="1200" dirty="0" err="1">
-                <a:solidFill>
-                  <a:schemeClr val="bg1"/>
-                </a:solidFill>
-              </a:rPr>
-              <a:t>Gpio</a:t>
-            </a:r>
-            <a:r>
               <a:rPr lang="en-US" sz="1200" dirty="0">
                 <a:solidFill>
                   <a:schemeClr val="bg1"/>
                 </a:solidFill>
               </a:rPr>
-              <a:t> 59-57</a:t>
+              <a:t>P2_9-13</a:t>
             </a:r>
           </a:p>
         </p:txBody>
       </p:sp>
       <p:cxnSp>
         <p:nvCxnSpPr>
-          <p:cNvPr id="23" name="Straight Connector 22">
+          <p:cNvPr id="64" name="Straight Connector 63">
             <a:extLst>
               <a:ext uri="{FF2B5EF4-FFF2-40B4-BE49-F238E27FC236}">
-                <a16:creationId xmlns:a16="http://schemas.microsoft.com/office/drawing/2014/main" id="{04B4DCF6-B762-4A66-B350-E8477D61C501}"/>
+                <a16:creationId xmlns:a16="http://schemas.microsoft.com/office/drawing/2014/main" id="{A9C4D286-0917-4B97-A523-13E02FFF6E26}"/>
               </a:ext>
             </a:extLst>
           </p:cNvPr>
@@ -17195,7 +17113,7 @@
         </p:nvCxnSpPr>
         <p:spPr>
           <a:xfrm flipH="1">
-            <a:off x="8525954" y="2173861"/>
+            <a:off x="8754554" y="1721867"/>
             <a:ext cx="656146" cy="914792"/>
           </a:xfrm>
           <a:prstGeom prst="line">
@@ -17219,10 +17137,10 @@
       </p:cxnSp>
       <p:sp>
         <p:nvSpPr>
-          <p:cNvPr id="24" name="TextBox 23">
+          <p:cNvPr id="65" name="TextBox 64">
             <a:extLst>
               <a:ext uri="{FF2B5EF4-FFF2-40B4-BE49-F238E27FC236}">
-                <a16:creationId xmlns:a16="http://schemas.microsoft.com/office/drawing/2014/main" id="{EF15CA9D-424B-4167-84FC-D37D9B1FB17E}"/>
+                <a16:creationId xmlns:a16="http://schemas.microsoft.com/office/drawing/2014/main" id="{83230EA1-3A97-422F-ACB9-41F5E4917C5A}"/>
               </a:ext>
             </a:extLst>
           </p:cNvPr>
@@ -17231,8 +17149,8 @@
         </p:nvSpPr>
         <p:spPr>
           <a:xfrm>
-            <a:off x="7930720" y="3465676"/>
-            <a:ext cx="721672" cy="276999"/>
+            <a:off x="8159320" y="3013682"/>
+            <a:ext cx="542136" cy="276999"/>
           </a:xfrm>
           <a:prstGeom prst="rect">
             <a:avLst/>
@@ -17246,41 +17164,33 @@
           <a:lstStyle/>
           <a:p>
             <a:r>
-              <a:rPr lang="en-US" sz="1200" dirty="0" err="1">
-                <a:solidFill>
-                  <a:schemeClr val="bg1"/>
-                </a:solidFill>
-              </a:rPr>
-              <a:t>Gpio</a:t>
-            </a:r>
-            <a:r>
               <a:rPr lang="en-US" sz="1200" dirty="0">
                 <a:solidFill>
                   <a:schemeClr val="bg1"/>
                 </a:solidFill>
               </a:rPr>
-              <a:t> 60</a:t>
+              <a:t>P2_2</a:t>
             </a:r>
           </a:p>
         </p:txBody>
       </p:sp>
       <p:cxnSp>
         <p:nvCxnSpPr>
-          <p:cNvPr id="25" name="Straight Connector 24">
+          <p:cNvPr id="66" name="Straight Connector 65">
             <a:extLst>
               <a:ext uri="{FF2B5EF4-FFF2-40B4-BE49-F238E27FC236}">
-                <a16:creationId xmlns:a16="http://schemas.microsoft.com/office/drawing/2014/main" id="{96D8FF6E-8682-4FCD-8C85-D2F6F63C06D5}"/>
+                <a16:creationId xmlns:a16="http://schemas.microsoft.com/office/drawing/2014/main" id="{AE155CE6-3790-40A0-92AA-121215AB26F8}"/>
               </a:ext>
             </a:extLst>
           </p:cNvPr>
           <p:cNvCxnSpPr>
-            <a:stCxn id="21" idx="1"/>
+            <a:stCxn id="62" idx="1"/>
           </p:cNvCxnSpPr>
           <p:nvPr/>
         </p:nvCxnSpPr>
         <p:spPr>
           <a:xfrm flipH="1">
-            <a:off x="8763000" y="2904484"/>
+            <a:off x="8991600" y="2452490"/>
             <a:ext cx="419100" cy="747910"/>
           </a:xfrm>
           <a:prstGeom prst="line">
@@ -17304,10 +17214,10 @@
       </p:cxnSp>
       <p:sp>
         <p:nvSpPr>
-          <p:cNvPr id="26" name="TextBox 25">
+          <p:cNvPr id="67" name="TextBox 66">
             <a:extLst>
               <a:ext uri="{FF2B5EF4-FFF2-40B4-BE49-F238E27FC236}">
-                <a16:creationId xmlns:a16="http://schemas.microsoft.com/office/drawing/2014/main" id="{3DB59B33-5F36-423F-B6AF-95094864B2A6}"/>
+                <a16:creationId xmlns:a16="http://schemas.microsoft.com/office/drawing/2014/main" id="{D8AD1F9B-E9F9-4B1B-A7D8-DD7BDC9494FD}"/>
               </a:ext>
             </a:extLst>
           </p:cNvPr>
@@ -17316,8 +17226,8 @@
         </p:nvSpPr>
         <p:spPr>
           <a:xfrm>
-            <a:off x="6987834" y="2971800"/>
-            <a:ext cx="721672" cy="276999"/>
+            <a:off x="7216434" y="2519806"/>
+            <a:ext cx="542136" cy="276999"/>
           </a:xfrm>
           <a:prstGeom prst="rect">
             <a:avLst/>
@@ -17331,43 +17241,35 @@
           <a:lstStyle/>
           <a:p>
             <a:r>
-              <a:rPr lang="en-US" sz="1200" dirty="0" err="1">
-                <a:solidFill>
-                  <a:schemeClr val="bg1"/>
-                </a:solidFill>
-              </a:rPr>
-              <a:t>Gpio</a:t>
-            </a:r>
-            <a:r>
               <a:rPr lang="en-US" sz="1200" dirty="0">
                 <a:solidFill>
                   <a:schemeClr val="bg1"/>
                 </a:solidFill>
               </a:rPr>
-              <a:t> 52</a:t>
+              <a:t>P2_1</a:t>
             </a:r>
           </a:p>
         </p:txBody>
       </p:sp>
       <p:cxnSp>
         <p:nvCxnSpPr>
-          <p:cNvPr id="27" name="Straight Connector 26">
+          <p:cNvPr id="68" name="Straight Connector 67">
             <a:extLst>
               <a:ext uri="{FF2B5EF4-FFF2-40B4-BE49-F238E27FC236}">
-                <a16:creationId xmlns:a16="http://schemas.microsoft.com/office/drawing/2014/main" id="{0FCAAFFE-A781-4D2D-A010-1F964B5CBA58}"/>
+                <a16:creationId xmlns:a16="http://schemas.microsoft.com/office/drawing/2014/main" id="{074F05DC-3261-4585-9378-4BA335A065FA}"/>
               </a:ext>
             </a:extLst>
           </p:cNvPr>
           <p:cNvCxnSpPr>
-            <a:stCxn id="19" idx="2"/>
-            <a:endCxn id="26" idx="0"/>
+            <a:stCxn id="60" idx="2"/>
+            <a:endCxn id="67" idx="0"/>
           </p:cNvCxnSpPr>
           <p:nvPr/>
         </p:nvCxnSpPr>
         <p:spPr>
           <a:xfrm flipH="1">
-            <a:off x="7348670" y="2290714"/>
-            <a:ext cx="811308" cy="681086"/>
+            <a:off x="7487502" y="1838720"/>
+            <a:ext cx="901076" cy="681086"/>
           </a:xfrm>
           <a:prstGeom prst="line">
             <a:avLst/>
@@ -17390,10 +17292,10 @@
       </p:cxnSp>
       <p:sp>
         <p:nvSpPr>
-          <p:cNvPr id="28" name="TextBox 27">
+          <p:cNvPr id="69" name="TextBox 68">
             <a:extLst>
               <a:ext uri="{FF2B5EF4-FFF2-40B4-BE49-F238E27FC236}">
-                <a16:creationId xmlns:a16="http://schemas.microsoft.com/office/drawing/2014/main" id="{42055196-4250-429C-A51B-454A199FFBB9}"/>
+                <a16:creationId xmlns:a16="http://schemas.microsoft.com/office/drawing/2014/main" id="{A46A9834-70FC-433C-BC31-6B8406E0A6F0}"/>
               </a:ext>
             </a:extLst>
           </p:cNvPr>
@@ -17402,7 +17304,7 @@
         </p:nvSpPr>
         <p:spPr>
           <a:xfrm>
-            <a:off x="6629400" y="3876141"/>
+            <a:off x="6858000" y="3424147"/>
             <a:ext cx="721672" cy="276999"/>
           </a:xfrm>
           <a:prstGeom prst="rect">
@@ -17437,22 +17339,23 @@
       </p:sp>
       <p:cxnSp>
         <p:nvCxnSpPr>
-          <p:cNvPr id="29" name="Connector: Elbow 28">
+          <p:cNvPr id="70" name="Connector: Elbow 69">
             <a:extLst>
               <a:ext uri="{FF2B5EF4-FFF2-40B4-BE49-F238E27FC236}">
-                <a16:creationId xmlns:a16="http://schemas.microsoft.com/office/drawing/2014/main" id="{90A358E5-CD93-40A4-999A-050384114861}"/>
+                <a16:creationId xmlns:a16="http://schemas.microsoft.com/office/drawing/2014/main" id="{5D762C0B-0164-4465-B8E9-504CE616C630}"/>
               </a:ext>
             </a:extLst>
           </p:cNvPr>
           <p:cNvCxnSpPr>
-            <a:stCxn id="17" idx="1"/>
+            <a:cxnSpLocks/>
+            <a:stCxn id="69" idx="1"/>
           </p:cNvCxnSpPr>
           <p:nvPr/>
         </p:nvCxnSpPr>
         <p:spPr>
           <a:xfrm rot="10800000">
-            <a:off x="6257826" y="2173862"/>
-            <a:ext cx="371575" cy="2188589"/>
+            <a:off x="6486430" y="1721869"/>
+            <a:ext cx="371571" cy="1840778"/>
           </a:xfrm>
           <a:prstGeom prst="bentConnector2">
             <a:avLst/>
@@ -17475,10 +17378,10 @@
       </p:cxnSp>
       <p:sp>
         <p:nvSpPr>
-          <p:cNvPr id="30" name="TextBox 29">
+          <p:cNvPr id="71" name="TextBox 70">
             <a:extLst>
               <a:ext uri="{FF2B5EF4-FFF2-40B4-BE49-F238E27FC236}">
-                <a16:creationId xmlns:a16="http://schemas.microsoft.com/office/drawing/2014/main" id="{F1655432-9CC2-4C0C-8863-945429BD6BBE}"/>
+                <a16:creationId xmlns:a16="http://schemas.microsoft.com/office/drawing/2014/main" id="{2EBCD863-BD2B-45B8-9DCA-3EC587F6BC16}"/>
               </a:ext>
             </a:extLst>
           </p:cNvPr>
@@ -17487,7 +17390,7 @@
         </p:nvSpPr>
         <p:spPr>
           <a:xfrm>
-            <a:off x="7064872" y="5370869"/>
+            <a:off x="7293472" y="4918875"/>
             <a:ext cx="1378904" cy="276999"/>
           </a:xfrm>
           <a:prstGeom prst="rect">
@@ -17514,10 +17417,118 @@
       </p:sp>
       <p:sp>
         <p:nvSpPr>
-          <p:cNvPr id="31" name="TextBox 30">
+          <p:cNvPr id="72" name="Rectangle: Rounded Corners 71">
             <a:extLst>
               <a:ext uri="{FF2B5EF4-FFF2-40B4-BE49-F238E27FC236}">
-                <a16:creationId xmlns:a16="http://schemas.microsoft.com/office/drawing/2014/main" id="{F0534DCC-A65C-4F1C-9430-9A80E52AE1AF}"/>
+                <a16:creationId xmlns:a16="http://schemas.microsoft.com/office/drawing/2014/main" id="{41CC98AA-769C-4D87-A6F6-FBFA6AE56735}"/>
+              </a:ext>
+            </a:extLst>
+          </p:cNvPr>
+          <p:cNvSpPr/>
+          <p:nvPr/>
+        </p:nvSpPr>
+        <p:spPr>
+          <a:xfrm>
+            <a:off x="9410700" y="3012699"/>
+            <a:ext cx="1177369" cy="781050"/>
+          </a:xfrm>
+          <a:prstGeom prst="roundRect">
+            <a:avLst/>
+          </a:prstGeom>
+          <a:solidFill>
+            <a:schemeClr val="tx1">
+              <a:lumMod val="65000"/>
+              <a:lumOff val="35000"/>
+            </a:schemeClr>
+          </a:solidFill>
+        </p:spPr>
+        <p:style>
+          <a:lnRef idx="2">
+            <a:schemeClr val="accent1">
+              <a:shade val="50000"/>
+            </a:schemeClr>
+          </a:lnRef>
+          <a:fillRef idx="1">
+            <a:schemeClr val="accent1"/>
+          </a:fillRef>
+          <a:effectRef idx="0">
+            <a:schemeClr val="accent1"/>
+          </a:effectRef>
+          <a:fontRef idx="minor">
+            <a:schemeClr val="lt1"/>
+          </a:fontRef>
+        </p:style>
+        <p:txBody>
+          <a:bodyPr rtlCol="0" anchor="ctr"/>
+          <a:lstStyle/>
+          <a:p>
+            <a:r>
+              <a:rPr lang="en-US" b="1" dirty="0"/>
+              <a:t>Button</a:t>
+            </a:r>
+          </a:p>
+        </p:txBody>
+      </p:sp>
+      <p:sp>
+        <p:nvSpPr>
+          <p:cNvPr id="73" name="Rectangle: Rounded Corners 72">
+            <a:extLst>
+              <a:ext uri="{FF2B5EF4-FFF2-40B4-BE49-F238E27FC236}">
+                <a16:creationId xmlns:a16="http://schemas.microsoft.com/office/drawing/2014/main" id="{E6D2CDC5-5E2C-4BAC-87C8-674FE95E94E3}"/>
+              </a:ext>
+            </a:extLst>
+          </p:cNvPr>
+          <p:cNvSpPr/>
+          <p:nvPr/>
+        </p:nvSpPr>
+        <p:spPr>
+          <a:xfrm>
+            <a:off x="9338231" y="3963433"/>
+            <a:ext cx="1177369" cy="781050"/>
+          </a:xfrm>
+          <a:prstGeom prst="roundRect">
+            <a:avLst/>
+          </a:prstGeom>
+          <a:solidFill>
+            <a:schemeClr val="tx1">
+              <a:lumMod val="65000"/>
+              <a:lumOff val="35000"/>
+            </a:schemeClr>
+          </a:solidFill>
+        </p:spPr>
+        <p:style>
+          <a:lnRef idx="2">
+            <a:schemeClr val="accent1">
+              <a:shade val="50000"/>
+            </a:schemeClr>
+          </a:lnRef>
+          <a:fillRef idx="1">
+            <a:schemeClr val="accent1"/>
+          </a:fillRef>
+          <a:effectRef idx="0">
+            <a:schemeClr val="accent1"/>
+          </a:effectRef>
+          <a:fontRef idx="minor">
+            <a:schemeClr val="lt1"/>
+          </a:fontRef>
+        </p:style>
+        <p:txBody>
+          <a:bodyPr rtlCol="0" anchor="ctr"/>
+          <a:lstStyle/>
+          <a:p>
+            <a:r>
+              <a:rPr lang="en-US" b="1" dirty="0"/>
+              <a:t>Buzzer</a:t>
+            </a:r>
+          </a:p>
+        </p:txBody>
+      </p:sp>
+      <p:sp>
+        <p:nvSpPr>
+          <p:cNvPr id="74" name="TextBox 73">
+            <a:extLst>
+              <a:ext uri="{FF2B5EF4-FFF2-40B4-BE49-F238E27FC236}">
+                <a16:creationId xmlns:a16="http://schemas.microsoft.com/office/drawing/2014/main" id="{0F414DF2-2B8C-4379-9BC9-CA9EDB0949B8}"/>
               </a:ext>
             </a:extLst>
           </p:cNvPr>
@@ -17525,9 +17536,164 @@
           <p:nvPr/>
         </p:nvSpPr>
         <p:spPr>
-          <a:xfrm rot="16200000">
-            <a:off x="5725130" y="2787133"/>
-            <a:ext cx="851515" cy="369332"/>
+          <a:xfrm>
+            <a:off x="8174823" y="3290681"/>
+            <a:ext cx="542136" cy="276999"/>
+          </a:xfrm>
+          <a:prstGeom prst="rect">
+            <a:avLst/>
+          </a:prstGeom>
+          <a:noFill/>
+        </p:spPr>
+        <p:txBody>
+          <a:bodyPr wrap="none" rtlCol="0">
+            <a:spAutoFit/>
+          </a:bodyPr>
+          <a:lstStyle/>
+          <a:p>
+            <a:r>
+              <a:rPr lang="en-US" sz="1200" dirty="0">
+                <a:solidFill>
+                  <a:schemeClr val="bg1"/>
+                </a:solidFill>
+              </a:rPr>
+              <a:t>P2_4</a:t>
+            </a:r>
+          </a:p>
+        </p:txBody>
+      </p:sp>
+      <p:sp>
+        <p:nvSpPr>
+          <p:cNvPr id="75" name="TextBox 74">
+            <a:extLst>
+              <a:ext uri="{FF2B5EF4-FFF2-40B4-BE49-F238E27FC236}">
+                <a16:creationId xmlns:a16="http://schemas.microsoft.com/office/drawing/2014/main" id="{0DA17355-3762-414A-86D8-52F552DD6550}"/>
+              </a:ext>
+            </a:extLst>
+          </p:cNvPr>
+          <p:cNvSpPr txBox="1"/>
+          <p:nvPr/>
+        </p:nvSpPr>
+        <p:spPr>
+          <a:xfrm>
+            <a:off x="8482462" y="4279629"/>
+            <a:ext cx="542136" cy="276999"/>
+          </a:xfrm>
+          <a:prstGeom prst="rect">
+            <a:avLst/>
+          </a:prstGeom>
+          <a:noFill/>
+        </p:spPr>
+        <p:txBody>
+          <a:bodyPr wrap="none" rtlCol="0">
+            <a:spAutoFit/>
+          </a:bodyPr>
+          <a:lstStyle/>
+          <a:p>
+            <a:r>
+              <a:rPr lang="en-US" sz="1200" dirty="0">
+                <a:solidFill>
+                  <a:schemeClr val="bg1"/>
+                </a:solidFill>
+              </a:rPr>
+              <a:t>P2_3</a:t>
+            </a:r>
+          </a:p>
+        </p:txBody>
+      </p:sp>
+      <p:cxnSp>
+        <p:nvCxnSpPr>
+          <p:cNvPr id="76" name="Straight Connector 75">
+            <a:extLst>
+              <a:ext uri="{FF2B5EF4-FFF2-40B4-BE49-F238E27FC236}">
+                <a16:creationId xmlns:a16="http://schemas.microsoft.com/office/drawing/2014/main" id="{0EB0791D-7F3F-4FC7-B399-8DD5D303DCC9}"/>
+              </a:ext>
+            </a:extLst>
+          </p:cNvPr>
+          <p:cNvCxnSpPr>
+            <a:cxnSpLocks/>
+            <a:stCxn id="72" idx="1"/>
+          </p:cNvCxnSpPr>
+          <p:nvPr/>
+        </p:nvCxnSpPr>
+        <p:spPr>
+          <a:xfrm flipH="1">
+            <a:off x="9004574" y="3403224"/>
+            <a:ext cx="406126" cy="110055"/>
+          </a:xfrm>
+          <a:prstGeom prst="line">
+            <a:avLst/>
+          </a:prstGeom>
+        </p:spPr>
+        <p:style>
+          <a:lnRef idx="1">
+            <a:schemeClr val="accent1"/>
+          </a:lnRef>
+          <a:fillRef idx="0">
+            <a:schemeClr val="accent1"/>
+          </a:fillRef>
+          <a:effectRef idx="0">
+            <a:schemeClr val="accent1"/>
+          </a:effectRef>
+          <a:fontRef idx="minor">
+            <a:schemeClr val="tx1"/>
+          </a:fontRef>
+        </p:style>
+      </p:cxnSp>
+      <p:cxnSp>
+        <p:nvCxnSpPr>
+          <p:cNvPr id="77" name="Straight Connector 76">
+            <a:extLst>
+              <a:ext uri="{FF2B5EF4-FFF2-40B4-BE49-F238E27FC236}">
+                <a16:creationId xmlns:a16="http://schemas.microsoft.com/office/drawing/2014/main" id="{56D53C8E-0EF6-47CE-9B7C-7CAAA19C58AA}"/>
+              </a:ext>
+            </a:extLst>
+          </p:cNvPr>
+          <p:cNvCxnSpPr>
+            <a:cxnSpLocks/>
+          </p:cNvCxnSpPr>
+          <p:nvPr/>
+        </p:nvCxnSpPr>
+        <p:spPr>
+          <a:xfrm flipH="1">
+            <a:off x="8930393" y="4363100"/>
+            <a:ext cx="406126" cy="110055"/>
+          </a:xfrm>
+          <a:prstGeom prst="line">
+            <a:avLst/>
+          </a:prstGeom>
+        </p:spPr>
+        <p:style>
+          <a:lnRef idx="1">
+            <a:schemeClr val="accent1"/>
+          </a:lnRef>
+          <a:fillRef idx="0">
+            <a:schemeClr val="accent1"/>
+          </a:fillRef>
+          <a:effectRef idx="0">
+            <a:schemeClr val="accent1"/>
+          </a:effectRef>
+          <a:fontRef idx="minor">
+            <a:schemeClr val="tx1"/>
+          </a:fontRef>
+        </p:style>
+      </p:cxnSp>
+      <p:sp>
+        <p:nvSpPr>
+          <p:cNvPr id="4" name="TextBox 3">
+            <a:extLst>
+              <a:ext uri="{FF2B5EF4-FFF2-40B4-BE49-F238E27FC236}">
+                <a16:creationId xmlns:a16="http://schemas.microsoft.com/office/drawing/2014/main" id="{24428808-4EED-4995-A682-9CA3996B2F06}"/>
+              </a:ext>
+            </a:extLst>
+          </p:cNvPr>
+          <p:cNvSpPr txBox="1"/>
+          <p:nvPr/>
+        </p:nvSpPr>
+        <p:spPr>
+          <a:xfrm rot="16006920">
+            <a:off x="5993752" y="2143325"/>
+            <a:ext cx="659155" cy="369332"/>
           </a:xfrm>
           <a:prstGeom prst="rect">
             <a:avLst/>
@@ -17542,17 +17708,17 @@
           <a:p>
             <a:r>
               <a:rPr lang="en-US" dirty="0"/>
-              <a:t>2 volts</a:t>
+              <a:t>1.8V</a:t>
             </a:r>
           </a:p>
         </p:txBody>
       </p:sp>
       <p:sp>
         <p:nvSpPr>
-          <p:cNvPr id="33" name="TextBox 32">
+          <p:cNvPr id="5" name="TextBox 4">
             <a:extLst>
               <a:ext uri="{FF2B5EF4-FFF2-40B4-BE49-F238E27FC236}">
-                <a16:creationId xmlns:a16="http://schemas.microsoft.com/office/drawing/2014/main" id="{8304AEE5-87C4-4205-9523-9A3BC164BC7B}"/>
+                <a16:creationId xmlns:a16="http://schemas.microsoft.com/office/drawing/2014/main" id="{810D1776-4183-4A2F-8583-D890E259594A}"/>
               </a:ext>
             </a:extLst>
           </p:cNvPr>
@@ -17560,9 +17726,9 @@
           <p:nvPr/>
         </p:nvSpPr>
         <p:spPr>
-          <a:xfrm rot="19429833">
-            <a:off x="7125620" y="2450380"/>
-            <a:ext cx="851515" cy="369332"/>
+          <a:xfrm rot="19454661">
+            <a:off x="6855924" y="2053026"/>
+            <a:ext cx="1415837" cy="369332"/>
           </a:xfrm>
           <a:prstGeom prst="rect">
             <a:avLst/>
@@ -17577,17 +17743,17 @@
           <a:p>
             <a:r>
               <a:rPr lang="en-US" dirty="0"/>
-              <a:t>6 volts</a:t>
+              <a:t>SYS V-OUT</a:t>
             </a:r>
           </a:p>
         </p:txBody>
       </p:sp>
       <p:sp>
         <p:nvSpPr>
-          <p:cNvPr id="35" name="TextBox 34">
+          <p:cNvPr id="6" name="TextBox 5">
             <a:extLst>
               <a:ext uri="{FF2B5EF4-FFF2-40B4-BE49-F238E27FC236}">
-                <a16:creationId xmlns:a16="http://schemas.microsoft.com/office/drawing/2014/main" id="{88D7AB17-42A8-4431-AD42-AD9BCAAC92C9}"/>
+                <a16:creationId xmlns:a16="http://schemas.microsoft.com/office/drawing/2014/main" id="{33A80243-268E-4E6F-963E-5914C23D366A}"/>
               </a:ext>
             </a:extLst>
           </p:cNvPr>
@@ -17595,9 +17761,9 @@
           <p:nvPr/>
         </p:nvSpPr>
         <p:spPr>
-          <a:xfrm rot="18719497">
-            <a:off x="8229568" y="2464794"/>
-            <a:ext cx="851515" cy="369332"/>
+          <a:xfrm rot="19454661">
+            <a:off x="8685647" y="1942742"/>
+            <a:ext cx="659155" cy="369332"/>
           </a:xfrm>
           <a:prstGeom prst="rect">
             <a:avLst/>
@@ -17612,17 +17778,17 @@
           <a:p>
             <a:r>
               <a:rPr lang="en-US" dirty="0"/>
-              <a:t>5 volts</a:t>
+              <a:t>3.3V</a:t>
             </a:r>
           </a:p>
         </p:txBody>
       </p:sp>
       <p:sp>
         <p:nvSpPr>
-          <p:cNvPr id="37" name="TextBox 36">
+          <p:cNvPr id="7" name="TextBox 6">
             <a:extLst>
               <a:ext uri="{FF2B5EF4-FFF2-40B4-BE49-F238E27FC236}">
-                <a16:creationId xmlns:a16="http://schemas.microsoft.com/office/drawing/2014/main" id="{9322A787-C35C-4C5A-AF2F-308FCC66D30A}"/>
+                <a16:creationId xmlns:a16="http://schemas.microsoft.com/office/drawing/2014/main" id="{31A98459-4700-442F-9FAE-4A5887953820}"/>
               </a:ext>
             </a:extLst>
           </p:cNvPr>
@@ -17630,9 +17796,9 @@
           <p:nvPr/>
         </p:nvSpPr>
         <p:spPr>
-          <a:xfrm>
-            <a:off x="7297811" y="5675704"/>
-            <a:ext cx="851515" cy="646331"/>
+          <a:xfrm rot="19454661">
+            <a:off x="8898074" y="2485592"/>
+            <a:ext cx="659155" cy="369332"/>
           </a:xfrm>
           <a:prstGeom prst="rect">
             <a:avLst/>
@@ -17647,23 +17813,17 @@
           <a:p>
             <a:r>
               <a:rPr lang="en-US" dirty="0"/>
-              <a:t>5 volts</a:t>
-            </a:r>
-          </a:p>
-          <a:p>
-            <a:r>
-              <a:rPr lang="en-US" dirty="0"/>
-              <a:t>1 A</a:t>
+              <a:t>3.3V</a:t>
             </a:r>
           </a:p>
         </p:txBody>
       </p:sp>
       <p:sp>
         <p:nvSpPr>
-          <p:cNvPr id="38" name="TextBox 37">
+          <p:cNvPr id="8" name="TextBox 7">
             <a:extLst>
               <a:ext uri="{FF2B5EF4-FFF2-40B4-BE49-F238E27FC236}">
-                <a16:creationId xmlns:a16="http://schemas.microsoft.com/office/drawing/2014/main" id="{A0F9A175-A176-4AAB-BFAF-D512C1D715DC}"/>
+                <a16:creationId xmlns:a16="http://schemas.microsoft.com/office/drawing/2014/main" id="{B1A47510-5463-4BBC-802C-939BC7D01808}"/>
               </a:ext>
             </a:extLst>
           </p:cNvPr>
@@ -17671,9 +17831,9 @@
           <p:nvPr/>
         </p:nvSpPr>
         <p:spPr>
-          <a:xfrm>
-            <a:off x="7551377" y="1143001"/>
-            <a:ext cx="710516" cy="369332"/>
+          <a:xfrm rot="20987784">
+            <a:off x="8865049" y="3196292"/>
+            <a:ext cx="659155" cy="369332"/>
           </a:xfrm>
           <a:prstGeom prst="rect">
             <a:avLst/>
@@ -17688,17 +17848,17 @@
           <a:p>
             <a:r>
               <a:rPr lang="en-US" dirty="0"/>
-              <a:t>1.2 A</a:t>
+              <a:t>3.3V</a:t>
             </a:r>
           </a:p>
         </p:txBody>
       </p:sp>
       <p:sp>
         <p:nvSpPr>
-          <p:cNvPr id="39" name="TextBox 38">
+          <p:cNvPr id="9" name="TextBox 8">
             <a:extLst>
               <a:ext uri="{FF2B5EF4-FFF2-40B4-BE49-F238E27FC236}">
-                <a16:creationId xmlns:a16="http://schemas.microsoft.com/office/drawing/2014/main" id="{63880A68-FAD7-49CE-9620-8FF4BBBF7B54}"/>
+                <a16:creationId xmlns:a16="http://schemas.microsoft.com/office/drawing/2014/main" id="{FCF7D761-013B-4F62-87A7-57D3B2C73B37}"/>
               </a:ext>
             </a:extLst>
           </p:cNvPr>
@@ -17706,9 +17866,9 @@
           <p:nvPr/>
         </p:nvSpPr>
         <p:spPr>
-          <a:xfrm>
-            <a:off x="6080461" y="1155404"/>
-            <a:ext cx="915635" cy="369332"/>
+          <a:xfrm rot="21107986">
+            <a:off x="8821000" y="4460579"/>
+            <a:ext cx="659155" cy="369332"/>
           </a:xfrm>
           <a:prstGeom prst="rect">
             <a:avLst/>
@@ -17723,42 +17883,7 @@
           <a:p>
             <a:r>
               <a:rPr lang="en-US" dirty="0"/>
-              <a:t>100mA</a:t>
-            </a:r>
-          </a:p>
-        </p:txBody>
-      </p:sp>
-      <p:sp>
-        <p:nvSpPr>
-          <p:cNvPr id="41" name="TextBox 40">
-            <a:extLst>
-              <a:ext uri="{FF2B5EF4-FFF2-40B4-BE49-F238E27FC236}">
-                <a16:creationId xmlns:a16="http://schemas.microsoft.com/office/drawing/2014/main" id="{183AE4A9-9967-45B8-9C8C-C6A6BC1C8AFD}"/>
-              </a:ext>
-            </a:extLst>
-          </p:cNvPr>
-          <p:cNvSpPr txBox="1"/>
-          <p:nvPr/>
-        </p:nvSpPr>
-        <p:spPr>
-          <a:xfrm>
-            <a:off x="9312966" y="1098331"/>
-            <a:ext cx="915635" cy="369332"/>
-          </a:xfrm>
-          <a:prstGeom prst="rect">
-            <a:avLst/>
-          </a:prstGeom>
-          <a:noFill/>
-        </p:spPr>
-        <p:txBody>
-          <a:bodyPr wrap="none" rtlCol="0">
-            <a:spAutoFit/>
-          </a:bodyPr>
-          <a:lstStyle/>
-          <a:p>
-            <a:r>
-              <a:rPr lang="en-US" dirty="0"/>
-              <a:t>160mA</a:t>
+              <a:t>1.8V</a:t>
             </a:r>
           </a:p>
         </p:txBody>
@@ -17788,7 +17913,7 @@
 </p:sld>
 </file>
 
-<file path=ppt/slides/slide6.xml><?xml version="1.0" encoding="utf-8"?>
+<file path=ppt/slides/slide5.xml><?xml version="1.0" encoding="utf-8"?>
 <p:sld xmlns:a="http://schemas.openxmlformats.org/drawingml/2006/main" xmlns:r="http://schemas.openxmlformats.org/officeDocument/2006/relationships" xmlns:p="http://schemas.openxmlformats.org/presentationml/2006/main">
   <p:cSld>
     <p:spTree>
@@ -17849,14 +17974,14 @@
             <p:ph idx="1"/>
             <p:extLst>
               <p:ext uri="{D42A27DB-BD31-4B8C-83A1-F6EECF244321}">
-                <p14:modId xmlns:p14="http://schemas.microsoft.com/office/powerpoint/2010/main" val="2199193940"/>
+                <p14:modId xmlns:p14="http://schemas.microsoft.com/office/powerpoint/2010/main" val="2397664045"/>
               </p:ext>
             </p:extLst>
           </p:nvPr>
         </p:nvGraphicFramePr>
         <p:xfrm>
           <a:off x="609600" y="1295400"/>
-          <a:ext cx="10972800" cy="3779520"/>
+          <a:ext cx="10972800" cy="4211320"/>
         </p:xfrm>
         <a:graphic>
           <a:graphicData uri="http://schemas.openxmlformats.org/drawingml/2006/table">
@@ -17894,9 +18019,10 @@
                     <a:lstStyle/>
                     <a:p>
                       <a:r>
-                        <a:rPr lang="en-US" dirty="0"/>
+                        <a:rPr lang="en-US"/>
                         <a:t>Component</a:t>
                       </a:r>
+                      <a:endParaRPr lang="en-US" dirty="0"/>
                     </a:p>
                   </a:txBody>
                   <a:tcPr/>
@@ -17907,9 +18033,10 @@
                     <a:lstStyle/>
                     <a:p>
                       <a:r>
-                        <a:rPr lang="en-US" dirty="0"/>
+                        <a:rPr lang="en-US"/>
                         <a:t>Need to Buy</a:t>
                       </a:r>
+                      <a:endParaRPr lang="en-US" dirty="0"/>
                     </a:p>
                   </a:txBody>
                   <a:tcPr/>
@@ -17920,9 +18047,10 @@
                     <a:lstStyle/>
                     <a:p>
                       <a:r>
-                        <a:rPr lang="en-US" dirty="0"/>
+                        <a:rPr lang="en-US"/>
                         <a:t>Cost</a:t>
                       </a:r>
+                      <a:endParaRPr lang="en-US" dirty="0"/>
                     </a:p>
                   </a:txBody>
                   <a:tcPr/>
@@ -17933,16 +18061,17 @@
                   </a:ext>
                 </a:extLst>
               </a:tr>
-              <a:tr h="370840">
+              <a:tr h="502920">
                 <a:tc>
                   <a:txBody>
                     <a:bodyPr/>
                     <a:lstStyle/>
                     <a:p>
                       <a:r>
-                        <a:rPr lang="en-US" dirty="0"/>
-                        <a:t>https://www.adafruit.com/product/1713?gclid=EAIaIQobChMIwpvRsfqb7AIVSODICh10GAIwEAQYAiABEgJSLfD_BwE</a:t>
+                        <a:rPr lang="en-US"/>
+                        <a:t>https://www.adafruit.com/product/239</a:t>
                       </a:r>
+                      <a:endParaRPr lang="en-US" dirty="0"/>
                     </a:p>
                   </a:txBody>
                   <a:tcPr/>
@@ -17953,9 +18082,10 @@
                     <a:lstStyle/>
                     <a:p>
                       <a:r>
-                        <a:rPr lang="en-US" dirty="0"/>
+                        <a:rPr lang="en-US"/>
                         <a:t>Yes</a:t>
                       </a:r>
+                      <a:endParaRPr lang="en-US" dirty="0"/>
                     </a:p>
                   </a:txBody>
                   <a:tcPr/>
@@ -17966,9 +18096,10 @@
                     <a:lstStyle/>
                     <a:p>
                       <a:r>
-                        <a:rPr lang="en-US" dirty="0"/>
-                        <a:t>7.95</a:t>
+                        <a:rPr lang="en-US"/>
+                        <a:t>5.95</a:t>
                       </a:r>
+                      <a:endParaRPr lang="en-US" dirty="0"/>
                     </a:p>
                   </a:txBody>
                   <a:tcPr/>
@@ -17986,9 +18117,10 @@
                     <a:lstStyle/>
                     <a:p>
                       <a:r>
-                        <a:rPr lang="en-US" dirty="0"/>
-                        <a:t>https://www.adafruit.com/product/3614</a:t>
+                        <a:rPr lang="en-US"/>
+                        <a:t>https://www.adafruit.com/product/154</a:t>
                       </a:r>
+                      <a:endParaRPr lang="en-US" dirty="0"/>
                     </a:p>
                   </a:txBody>
                   <a:tcPr/>
@@ -17999,9 +18131,10 @@
                     <a:lstStyle/>
                     <a:p>
                       <a:r>
-                        <a:rPr lang="en-US" dirty="0"/>
+                        <a:rPr lang="en-US"/>
                         <a:t>Yes</a:t>
                       </a:r>
+                      <a:endParaRPr lang="en-US" dirty="0"/>
                     </a:p>
                   </a:txBody>
                   <a:tcPr/>
@@ -18012,9 +18145,10 @@
                     <a:lstStyle/>
                     <a:p>
                       <a:r>
-                        <a:rPr lang="en-US" dirty="0"/>
-                        <a:t>27.99</a:t>
+                        <a:rPr lang="en-US"/>
+                        <a:t>11.95</a:t>
                       </a:r>
+                      <a:endParaRPr lang="en-US" dirty="0"/>
                     </a:p>
                   </a:txBody>
                   <a:tcPr/>
@@ -18032,7 +18166,7 @@
                     <a:lstStyle/>
                     <a:p>
                       <a:r>
-                        <a:rPr lang="en-US" dirty="0">
+                        <a:rPr lang="en-US">
                           <a:hlinkClick r:id="rId3"/>
                         </a:rPr>
                         <a:t>https://adafruit.it/865</a:t>
@@ -18048,9 +18182,10 @@
                     <a:lstStyle/>
                     <a:p>
                       <a:r>
-                        <a:rPr lang="en-US" dirty="0"/>
+                        <a:rPr lang="en-US"/>
                         <a:t>No</a:t>
                       </a:r>
+                      <a:endParaRPr lang="en-US" dirty="0"/>
                     </a:p>
                   </a:txBody>
                   <a:tcPr/>
@@ -18061,9 +18196,10 @@
                     <a:lstStyle/>
                     <a:p>
                       <a:r>
-                        <a:rPr lang="en-US" dirty="0"/>
+                        <a:rPr lang="en-US"/>
                         <a:t>3.95</a:t>
                       </a:r>
+                      <a:endParaRPr lang="en-US" dirty="0"/>
                     </a:p>
                   </a:txBody>
                   <a:tcPr/>
@@ -18081,13 +18217,10 @@
                     <a:lstStyle/>
                     <a:p>
                       <a:r>
-                        <a:rPr lang="en-US" dirty="0" err="1"/>
-                        <a:t>PocketBeagle</a:t>
+                        <a:rPr lang="en-US"/>
+                        <a:t>PocketBeagle Board</a:t>
                       </a:r>
-                      <a:r>
-                        <a:rPr lang="en-US" dirty="0"/>
-                        <a:t> Board</a:t>
-                      </a:r>
+                      <a:endParaRPr lang="en-US" dirty="0"/>
                     </a:p>
                   </a:txBody>
                   <a:tcPr/>
@@ -18098,9 +18231,10 @@
                     <a:lstStyle/>
                     <a:p>
                       <a:r>
-                        <a:rPr lang="en-US" dirty="0"/>
+                        <a:rPr lang="en-US"/>
                         <a:t>No</a:t>
                       </a:r>
+                      <a:endParaRPr lang="en-US" dirty="0"/>
                     </a:p>
                   </a:txBody>
                   <a:tcPr/>
@@ -18111,9 +18245,10 @@
                     <a:lstStyle/>
                     <a:p>
                       <a:r>
-                        <a:rPr lang="en-US" dirty="0"/>
+                        <a:rPr lang="en-US"/>
                         <a:t>38</a:t>
                       </a:r>
+                      <a:endParaRPr lang="en-US" dirty="0"/>
                     </a:p>
                   </a:txBody>
                   <a:tcPr/>
@@ -18131,9 +18266,10 @@
                     <a:lstStyle/>
                     <a:p>
                       <a:r>
-                        <a:rPr lang="en-US" dirty="0"/>
-                        <a:t>Button</a:t>
+                        <a:rPr lang="en-US"/>
+                        <a:t>Button x2 https://www.adafruit.com/product/367</a:t>
                       </a:r>
+                      <a:endParaRPr lang="en-US" dirty="0"/>
                     </a:p>
                   </a:txBody>
                   <a:tcPr/>
@@ -18144,9 +18280,10 @@
                     <a:lstStyle/>
                     <a:p>
                       <a:r>
-                        <a:rPr lang="en-US" dirty="0"/>
+                        <a:rPr lang="en-US"/>
                         <a:t>No</a:t>
                       </a:r>
+                      <a:endParaRPr lang="en-US" dirty="0"/>
                     </a:p>
                   </a:txBody>
                   <a:tcPr/>
@@ -18157,9 +18294,10 @@
                     <a:lstStyle/>
                     <a:p>
                       <a:r>
-                        <a:rPr lang="en-US" dirty="0"/>
-                        <a:t>.50</a:t>
+                        <a:rPr lang="en-US"/>
+                        <a:t>1.25</a:t>
                       </a:r>
+                      <a:endParaRPr lang="en-US" dirty="0"/>
                     </a:p>
                   </a:txBody>
                   <a:tcPr/>
@@ -18177,9 +18315,10 @@
                     <a:lstStyle/>
                     <a:p>
                       <a:r>
-                        <a:rPr lang="en-US" dirty="0"/>
-                        <a:t>https://www.adafruit.com/product/276</a:t>
+                        <a:rPr lang="en-US"/>
+                        <a:t>https://www.adafruit.com/product/376</a:t>
                       </a:r>
+                      <a:endParaRPr lang="en-US" dirty="0"/>
                     </a:p>
                   </a:txBody>
                   <a:tcPr/>
@@ -18190,9 +18329,10 @@
                     <a:lstStyle/>
                     <a:p>
                       <a:r>
-                        <a:rPr lang="en-US" dirty="0"/>
+                        <a:rPr lang="en-US"/>
                         <a:t>Yes</a:t>
                       </a:r>
+                      <a:endParaRPr lang="en-US" dirty="0"/>
                     </a:p>
                   </a:txBody>
                   <a:tcPr/>
@@ -18224,8 +18364,106 @@
                     <a:lstStyle/>
                     <a:p>
                       <a:r>
+                        <a:rPr lang="en-US"/>
+                        <a:t>1k ohm resistor x3</a:t>
+                      </a:r>
+                      <a:endParaRPr lang="en-US" dirty="0"/>
+                    </a:p>
+                  </a:txBody>
+                  <a:tcPr/>
+                </a:tc>
+                <a:tc>
+                  <a:txBody>
+                    <a:bodyPr/>
+                    <a:lstStyle/>
+                    <a:p>
+                      <a:r>
+                        <a:rPr lang="en-US"/>
+                        <a:t>Yes</a:t>
+                      </a:r>
+                      <a:endParaRPr lang="en-US" dirty="0"/>
+                    </a:p>
+                  </a:txBody>
+                  <a:tcPr/>
+                </a:tc>
+                <a:tc>
+                  <a:txBody>
+                    <a:bodyPr/>
+                    <a:lstStyle/>
+                    <a:p>
+                      <a:r>
+                        <a:rPr lang="en-US"/>
+                        <a:t>2.00</a:t>
+                      </a:r>
+                      <a:endParaRPr lang="en-US" dirty="0"/>
+                    </a:p>
+                  </a:txBody>
+                  <a:tcPr/>
+                </a:tc>
+                <a:extLst>
+                  <a:ext uri="{0D108BD9-81ED-4DB2-BD59-A6C34878D82A}">
+                    <a16:rowId xmlns:a16="http://schemas.microsoft.com/office/drawing/2014/main" val="2337708406"/>
+                  </a:ext>
+                </a:extLst>
+              </a:tr>
+              <a:tr h="370840">
+                <a:tc>
+                  <a:txBody>
+                    <a:bodyPr/>
+                    <a:lstStyle/>
+                    <a:p>
+                      <a:r>
+                        <a:rPr lang="en-US"/>
+                        <a:t>https://www.adafruit.com/product/1536</a:t>
+                      </a:r>
+                      <a:endParaRPr lang="en-US" dirty="0"/>
+                    </a:p>
+                  </a:txBody>
+                  <a:tcPr/>
+                </a:tc>
+                <a:tc>
+                  <a:txBody>
+                    <a:bodyPr/>
+                    <a:lstStyle/>
+                    <a:p>
+                      <a:r>
+                        <a:rPr lang="en-US"/>
+                        <a:t>No</a:t>
+                      </a:r>
+                      <a:endParaRPr lang="en-US" dirty="0"/>
+                    </a:p>
+                  </a:txBody>
+                  <a:tcPr/>
+                </a:tc>
+                <a:tc>
+                  <a:txBody>
+                    <a:bodyPr/>
+                    <a:lstStyle/>
+                    <a:p>
+                      <a:r>
+                        <a:rPr lang="en-US"/>
+                        <a:t>0.95</a:t>
+                      </a:r>
+                      <a:endParaRPr lang="en-US" dirty="0"/>
+                    </a:p>
+                  </a:txBody>
+                  <a:tcPr/>
+                </a:tc>
+                <a:extLst>
+                  <a:ext uri="{0D108BD9-81ED-4DB2-BD59-A6C34878D82A}">
+                    <a16:rowId xmlns:a16="http://schemas.microsoft.com/office/drawing/2014/main" val="30767414"/>
+                  </a:ext>
+                </a:extLst>
+              </a:tr>
+              <a:tr h="370840">
+                <a:tc>
+                  <a:txBody>
+                    <a:bodyPr/>
+                    <a:lstStyle/>
+                    <a:p>
+                      <a:r>
                         <a:rPr lang="en-US" dirty="0"/>
-                        <a:t>https://www.adafruit.com/product/368?gclid=Cj0KCQjwoJX8BRCZARIsAEWBFMKLKonJh2rwlF8zYJFWhqgTz3il9I4ElfN9N32iJgf-WoJdIJmE6rkaAmzPEALw_wcB</a:t>
+                        <a:t>https://www.adafruit.com/product/4179</a:t>
                       </a:r>
                     </a:p>
                   </a:txBody>
@@ -18238,7 +18476,7 @@
                     <a:p>
                       <a:r>
                         <a:rPr lang="en-US" dirty="0"/>
-                        <a:t>Yes</a:t>
+                        <a:t>No</a:t>
                       </a:r>
                     </a:p>
                   </a:txBody>
@@ -18251,7 +18489,7 @@
                     <a:p>
                       <a:r>
                         <a:rPr lang="en-US" dirty="0"/>
-                        <a:t>2.00</a:t>
+                        <a:t>34.99</a:t>
                       </a:r>
                     </a:p>
                   </a:txBody>
@@ -18259,7 +18497,53 @@
                 </a:tc>
                 <a:extLst>
                   <a:ext uri="{0D108BD9-81ED-4DB2-BD59-A6C34878D82A}">
-                    <a16:rowId xmlns:a16="http://schemas.microsoft.com/office/drawing/2014/main" val="2337708406"/>
+                    <a16:rowId xmlns:a16="http://schemas.microsoft.com/office/drawing/2014/main" val="4249351070"/>
+                  </a:ext>
+                </a:extLst>
+              </a:tr>
+              <a:tr h="370840">
+                <a:tc>
+                  <a:txBody>
+                    <a:bodyPr/>
+                    <a:lstStyle/>
+                    <a:p>
+                      <a:r>
+                        <a:rPr lang="en-US" dirty="0"/>
+                        <a:t>https://www.adafruit.com/product/1911</a:t>
+                      </a:r>
+                    </a:p>
+                  </a:txBody>
+                  <a:tcPr/>
+                </a:tc>
+                <a:tc>
+                  <a:txBody>
+                    <a:bodyPr/>
+                    <a:lstStyle/>
+                    <a:p>
+                      <a:r>
+                        <a:rPr lang="en-US" dirty="0"/>
+                        <a:t>No</a:t>
+                      </a:r>
+                    </a:p>
+                  </a:txBody>
+                  <a:tcPr/>
+                </a:tc>
+                <a:tc>
+                  <a:txBody>
+                    <a:bodyPr/>
+                    <a:lstStyle/>
+                    <a:p>
+                      <a:r>
+                        <a:rPr lang="en-US" dirty="0"/>
+                        <a:t>9.95</a:t>
+                      </a:r>
+                    </a:p>
+                  </a:txBody>
+                  <a:tcPr/>
+                </a:tc>
+                <a:extLst>
+                  <a:ext uri="{0D108BD9-81ED-4DB2-BD59-A6C34878D82A}">
+                    <a16:rowId xmlns:a16="http://schemas.microsoft.com/office/drawing/2014/main" val="2332712926"/>
                   </a:ext>
                 </a:extLst>
               </a:tr>
